--- a/Apresentação.pptx
+++ b/Apresentação.pptx
@@ -8,15 +8,14 @@
     <p:sldId id="257" r:id="rId2"/>
     <p:sldId id="259" r:id="rId3"/>
     <p:sldId id="260" r:id="rId4"/>
-    <p:sldId id="261" r:id="rId5"/>
-    <p:sldId id="262" r:id="rId6"/>
-    <p:sldId id="264" r:id="rId7"/>
-    <p:sldId id="258" r:id="rId8"/>
-    <p:sldId id="269" r:id="rId9"/>
-    <p:sldId id="270" r:id="rId10"/>
-    <p:sldId id="265" r:id="rId11"/>
-    <p:sldId id="266" r:id="rId12"/>
-    <p:sldId id="268" r:id="rId13"/>
+    <p:sldId id="262" r:id="rId5"/>
+    <p:sldId id="264" r:id="rId6"/>
+    <p:sldId id="258" r:id="rId7"/>
+    <p:sldId id="269" r:id="rId8"/>
+    <p:sldId id="270" r:id="rId9"/>
+    <p:sldId id="265" r:id="rId10"/>
+    <p:sldId id="266" r:id="rId11"/>
+    <p:sldId id="268" r:id="rId12"/>
   </p:sldIdLst>
   <p:sldSz cx="9144000" cy="6858000" type="screen4x3"/>
   <p:notesSz cx="6858000" cy="9144000"/>
@@ -355,7 +354,7 @@
           <a:p>
             <a:fld id="{2E700DB3-DBF0-4086-B675-117E7A9610B8}" type="datetimeFigureOut">
               <a:rPr lang="pt-BR" smtClean="0"/>
-              <a:t>23/06/2019</a:t>
+              <a:t>29/06/2019</a:t>
             </a:fld>
             <a:endParaRPr lang="pt-BR"/>
           </a:p>
@@ -525,7 +524,7 @@
           <a:p>
             <a:fld id="{2E700DB3-DBF0-4086-B675-117E7A9610B8}" type="datetimeFigureOut">
               <a:rPr lang="pt-BR" smtClean="0"/>
-              <a:t>23/06/2019</a:t>
+              <a:t>29/06/2019</a:t>
             </a:fld>
             <a:endParaRPr lang="pt-BR"/>
           </a:p>
@@ -700,7 +699,7 @@
           <a:p>
             <a:fld id="{2E700DB3-DBF0-4086-B675-117E7A9610B8}" type="datetimeFigureOut">
               <a:rPr lang="pt-BR" smtClean="0"/>
-              <a:t>23/06/2019</a:t>
+              <a:t>29/06/2019</a:t>
             </a:fld>
             <a:endParaRPr lang="pt-BR"/>
           </a:p>
@@ -865,7 +864,7 @@
           <a:p>
             <a:fld id="{2E700DB3-DBF0-4086-B675-117E7A9610B8}" type="datetimeFigureOut">
               <a:rPr lang="pt-BR" smtClean="0"/>
-              <a:t>23/06/2019</a:t>
+              <a:t>29/06/2019</a:t>
             </a:fld>
             <a:endParaRPr lang="pt-BR"/>
           </a:p>
@@ -1122,7 +1121,7 @@
           <a:p>
             <a:fld id="{2E700DB3-DBF0-4086-B675-117E7A9610B8}" type="datetimeFigureOut">
               <a:rPr lang="pt-BR" smtClean="0"/>
-              <a:t>23/06/2019</a:t>
+              <a:t>29/06/2019</a:t>
             </a:fld>
             <a:endParaRPr lang="pt-BR"/>
           </a:p>
@@ -1262,7 +1261,7 @@
           <a:p>
             <a:fld id="{2E700DB3-DBF0-4086-B675-117E7A9610B8}" type="datetimeFigureOut">
               <a:rPr lang="pt-BR" smtClean="0"/>
-              <a:t>23/06/2019</a:t>
+              <a:t>29/06/2019</a:t>
             </a:fld>
             <a:endParaRPr lang="pt-BR"/>
           </a:p>
@@ -1912,7 +1911,7 @@
           <a:p>
             <a:fld id="{2E700DB3-DBF0-4086-B675-117E7A9610B8}" type="datetimeFigureOut">
               <a:rPr lang="pt-BR" smtClean="0"/>
-              <a:t>23/06/2019</a:t>
+              <a:t>29/06/2019</a:t>
             </a:fld>
             <a:endParaRPr lang="pt-BR"/>
           </a:p>
@@ -2025,7 +2024,7 @@
           <a:p>
             <a:fld id="{2E700DB3-DBF0-4086-B675-117E7A9610B8}" type="datetimeFigureOut">
               <a:rPr lang="pt-BR" smtClean="0"/>
-              <a:t>23/06/2019</a:t>
+              <a:t>29/06/2019</a:t>
             </a:fld>
             <a:endParaRPr lang="pt-BR"/>
           </a:p>
@@ -2115,7 +2114,7 @@
           <a:p>
             <a:fld id="{2E700DB3-DBF0-4086-B675-117E7A9610B8}" type="datetimeFigureOut">
               <a:rPr lang="pt-BR" smtClean="0"/>
-              <a:t>23/06/2019</a:t>
+              <a:t>29/06/2019</a:t>
             </a:fld>
             <a:endParaRPr lang="pt-BR"/>
           </a:p>
@@ -2405,7 +2404,7 @@
           <a:p>
             <a:fld id="{2E700DB3-DBF0-4086-B675-117E7A9610B8}" type="datetimeFigureOut">
               <a:rPr lang="pt-BR" smtClean="0"/>
-              <a:t>23/06/2019</a:t>
+              <a:t>29/06/2019</a:t>
             </a:fld>
             <a:endParaRPr lang="pt-BR"/>
           </a:p>
@@ -2728,7 +2727,7 @@
           <a:p>
             <a:fld id="{2E700DB3-DBF0-4086-B675-117E7A9610B8}" type="datetimeFigureOut">
               <a:rPr lang="pt-BR" smtClean="0"/>
-              <a:t>23/06/2019</a:t>
+              <a:t>29/06/2019</a:t>
             </a:fld>
             <a:endParaRPr lang="pt-BR"/>
           </a:p>
@@ -3185,7 +3184,7 @@
           <a:p>
             <a:fld id="{2E700DB3-DBF0-4086-B675-117E7A9610B8}" type="datetimeFigureOut">
               <a:rPr lang="pt-BR" smtClean="0"/>
-              <a:t>23/06/2019</a:t>
+              <a:t>29/06/2019</a:t>
             </a:fld>
             <a:endParaRPr lang="pt-BR"/>
           </a:p>
@@ -3907,7 +3906,7 @@
         </p:nvSpPr>
         <p:spPr>
           <a:xfrm>
-            <a:off x="6228184" y="6380946"/>
+            <a:off x="6228184" y="6370236"/>
             <a:ext cx="2915816" cy="477054"/>
           </a:xfrm>
           <a:prstGeom prst="rect">
@@ -4001,7 +4000,7 @@
         <p:spPr>
           <a:xfrm>
             <a:off x="198984" y="260648"/>
-            <a:ext cx="7543800" cy="914400"/>
+            <a:ext cx="9197552" cy="914400"/>
           </a:xfrm>
           <a:prstGeom prst="rect">
             <a:avLst/>
@@ -4092,32 +4091,46 @@
           </a:lstStyle>
           <a:p>
             <a:r>
+              <a:rPr lang="en-US" dirty="0" err="1">
+                <a:latin typeface="Quicksand" panose="00000500000000000000" pitchFamily="2" charset="0"/>
+                <a:ea typeface="Roboto" panose="02000000000000000000" pitchFamily="2" charset="0"/>
+              </a:rPr>
+              <a:t>Qual</a:t>
+            </a:r>
+            <a:r>
+              <a:rPr lang="en-US" dirty="0">
+                <a:latin typeface="Quicksand" panose="00000500000000000000" pitchFamily="2" charset="0"/>
+                <a:ea typeface="Roboto" panose="02000000000000000000" pitchFamily="2" charset="0"/>
+              </a:rPr>
+              <a:t> o </a:t>
+            </a:r>
+            <a:r>
+              <a:rPr lang="en-US" dirty="0" err="1">
+                <a:latin typeface="Quicksand" panose="00000500000000000000" pitchFamily="2" charset="0"/>
+                <a:ea typeface="Roboto" panose="02000000000000000000" pitchFamily="2" charset="0"/>
+              </a:rPr>
+              <a:t>resultado</a:t>
+            </a:r>
+            <a:r>
+              <a:rPr lang="en-US" dirty="0" smtClean="0">
+                <a:latin typeface="Quicksand" panose="00000500000000000000" pitchFamily="2" charset="0"/>
+                <a:ea typeface="Roboto" panose="02000000000000000000" pitchFamily="2" charset="0"/>
+              </a:rPr>
+              <a:t>? (</a:t>
+            </a:r>
+            <a:r>
               <a:rPr lang="en-US" dirty="0" err="1" smtClean="0">
                 <a:latin typeface="Quicksand" panose="00000500000000000000" pitchFamily="2" charset="0"/>
                 <a:ea typeface="Roboto" panose="02000000000000000000" pitchFamily="2" charset="0"/>
               </a:rPr>
-              <a:t>Qual</a:t>
+              <a:t>tabela</a:t>
             </a:r>
             <a:r>
               <a:rPr lang="en-US" dirty="0" smtClean="0">
                 <a:latin typeface="Quicksand" panose="00000500000000000000" pitchFamily="2" charset="0"/>
                 <a:ea typeface="Roboto" panose="02000000000000000000" pitchFamily="2" charset="0"/>
               </a:rPr>
-              <a:t> o </a:t>
-            </a:r>
-            <a:r>
-              <a:rPr lang="en-US" dirty="0" err="1" smtClean="0">
-                <a:latin typeface="Quicksand" panose="00000500000000000000" pitchFamily="2" charset="0"/>
-                <a:ea typeface="Roboto" panose="02000000000000000000" pitchFamily="2" charset="0"/>
-              </a:rPr>
-              <a:t>resultado</a:t>
-            </a:r>
-            <a:r>
-              <a:rPr lang="en-US" dirty="0" smtClean="0">
-                <a:latin typeface="Quicksand" panose="00000500000000000000" pitchFamily="2" charset="0"/>
-                <a:ea typeface="Roboto" panose="02000000000000000000" pitchFamily="2" charset="0"/>
-              </a:rPr>
-              <a:t>?</a:t>
+              <a:t>)</a:t>
             </a:r>
             <a:endParaRPr lang="pt-BR" dirty="0">
               <a:latin typeface="Quicksand" panose="00000500000000000000" pitchFamily="2" charset="0"/>
@@ -4136,8 +4149,8 @@
         </p:nvSpPr>
         <p:spPr>
           <a:xfrm>
-            <a:off x="467544" y="1337368"/>
-            <a:ext cx="8208912" cy="4611912"/>
+            <a:off x="467544" y="3861048"/>
+            <a:ext cx="8208912" cy="3819824"/>
           </a:xfrm>
           <a:prstGeom prst="rect">
             <a:avLst/>
@@ -4228,12 +4241,151 @@
           </a:lstStyle>
           <a:p>
             <a:pPr algn="just"/>
-            <a:r>
-              <a:rPr lang="en-US" sz="3500" dirty="0" err="1" smtClean="0">
-                <a:latin typeface="Quicksand" panose="00000500000000000000" pitchFamily="2" charset="0"/>
-                <a:ea typeface="Roboto" panose="02000000000000000000" pitchFamily="2" charset="0"/>
-              </a:rPr>
-              <a:t>Após</a:t>
+            <a:endParaRPr lang="en-US" sz="3500" dirty="0" smtClean="0">
+              <a:latin typeface="Quicksand" panose="00000500000000000000" pitchFamily="2" charset="0"/>
+              <a:ea typeface="Roboto" panose="02000000000000000000" pitchFamily="2" charset="0"/>
+            </a:endParaRPr>
+          </a:p>
+        </p:txBody>
+      </p:sp>
+      <p:pic>
+        <p:nvPicPr>
+          <p:cNvPr id="7" name="Imagem 6"/>
+          <p:cNvPicPr>
+            <a:picLocks noChangeAspect="1"/>
+          </p:cNvPicPr>
+          <p:nvPr/>
+        </p:nvPicPr>
+        <p:blipFill>
+          <a:blip r:embed="rId2">
+            <a:extLst>
+              <a:ext uri="{28A0092B-C50C-407E-A947-70E740481C1C}">
+                <a14:useLocalDpi xmlns:a14="http://schemas.microsoft.com/office/drawing/2010/main" val="0"/>
+              </a:ext>
+            </a:extLst>
+          </a:blip>
+          <a:stretch>
+            <a:fillRect/>
+          </a:stretch>
+        </p:blipFill>
+        <p:spPr>
+          <a:xfrm>
+            <a:off x="306924" y="1699830"/>
+            <a:ext cx="8532440" cy="2161218"/>
+          </a:xfrm>
+          <a:prstGeom prst="rect">
+            <a:avLst/>
+          </a:prstGeom>
+        </p:spPr>
+      </p:pic>
+      <p:sp>
+        <p:nvSpPr>
+          <p:cNvPr id="8" name="Título 2"/>
+          <p:cNvSpPr txBox="1">
+            <a:spLocks/>
+          </p:cNvSpPr>
+          <p:nvPr/>
+        </p:nvSpPr>
+        <p:spPr>
+          <a:xfrm>
+            <a:off x="467544" y="4221088"/>
+            <a:ext cx="8208912" cy="1443560"/>
+          </a:xfrm>
+          <a:prstGeom prst="rect">
+            <a:avLst/>
+          </a:prstGeom>
+        </p:spPr>
+        <p:txBody>
+          <a:bodyPr vert="horz" lIns="91440" tIns="45720" rIns="91440" bIns="45720" rtlCol="0" anchor="t">
+            <a:noAutofit/>
+          </a:bodyPr>
+          <a:lstStyle>
+            <a:lvl1pPr algn="l" defTabSz="914400" rtl="0" eaLnBrk="1" latinLnBrk="0" hangingPunct="1">
+              <a:spcBef>
+                <a:spcPct val="0"/>
+              </a:spcBef>
+              <a:buNone/>
+              <a:defRPr sz="4900" kern="1200">
+                <a:solidFill>
+                  <a:schemeClr val="tx1"/>
+                </a:solidFill>
+                <a:effectLst>
+                  <a:outerShdw blurRad="38100" dist="38100" dir="2700000" algn="tl">
+                    <a:srgbClr val="000000">
+                      <a:alpha val="43137"/>
+                    </a:srgbClr>
+                  </a:outerShdw>
+                </a:effectLst>
+                <a:latin typeface="+mj-lt"/>
+                <a:ea typeface="+mj-ea"/>
+                <a:cs typeface="+mj-cs"/>
+              </a:defRPr>
+            </a:lvl1pPr>
+            <a:lvl2pPr eaLnBrk="1" hangingPunct="1">
+              <a:defRPr>
+                <a:solidFill>
+                  <a:schemeClr val="tx2"/>
+                </a:solidFill>
+              </a:defRPr>
+            </a:lvl2pPr>
+            <a:lvl3pPr eaLnBrk="1" hangingPunct="1">
+              <a:defRPr>
+                <a:solidFill>
+                  <a:schemeClr val="tx2"/>
+                </a:solidFill>
+              </a:defRPr>
+            </a:lvl3pPr>
+            <a:lvl4pPr eaLnBrk="1" hangingPunct="1">
+              <a:defRPr>
+                <a:solidFill>
+                  <a:schemeClr val="tx2"/>
+                </a:solidFill>
+              </a:defRPr>
+            </a:lvl4pPr>
+            <a:lvl5pPr eaLnBrk="1" hangingPunct="1">
+              <a:defRPr>
+                <a:solidFill>
+                  <a:schemeClr val="tx2"/>
+                </a:solidFill>
+              </a:defRPr>
+            </a:lvl5pPr>
+            <a:lvl6pPr eaLnBrk="1" hangingPunct="1">
+              <a:defRPr>
+                <a:solidFill>
+                  <a:schemeClr val="tx2"/>
+                </a:solidFill>
+              </a:defRPr>
+            </a:lvl6pPr>
+            <a:lvl7pPr eaLnBrk="1" hangingPunct="1">
+              <a:defRPr>
+                <a:solidFill>
+                  <a:schemeClr val="tx2"/>
+                </a:solidFill>
+              </a:defRPr>
+            </a:lvl7pPr>
+            <a:lvl8pPr eaLnBrk="1" hangingPunct="1">
+              <a:defRPr>
+                <a:solidFill>
+                  <a:schemeClr val="tx2"/>
+                </a:solidFill>
+              </a:defRPr>
+            </a:lvl8pPr>
+            <a:lvl9pPr eaLnBrk="1" hangingPunct="1">
+              <a:defRPr>
+                <a:solidFill>
+                  <a:schemeClr val="tx2"/>
+                </a:solidFill>
+              </a:defRPr>
+            </a:lvl9pPr>
+          </a:lstStyle>
+          <a:p>
+            <a:pPr algn="just"/>
+            <a:r>
+              <a:rPr lang="en-US" sz="3500" dirty="0" err="1" smtClean="0">
+                <a:latin typeface="Quicksand" panose="00000500000000000000" pitchFamily="2" charset="0"/>
+                <a:ea typeface="Roboto" panose="02000000000000000000" pitchFamily="2" charset="0"/>
+              </a:rPr>
+              <a:t>Esta</a:t>
             </a:r>
             <a:r>
               <a:rPr lang="en-US" sz="3500" dirty="0" smtClean="0">
@@ -4247,7 +4399,7 @@
                 <a:latin typeface="Quicksand" panose="00000500000000000000" pitchFamily="2" charset="0"/>
                 <a:ea typeface="Roboto" panose="02000000000000000000" pitchFamily="2" charset="0"/>
               </a:rPr>
-              <a:t>concluir</a:t>
+              <a:t>tabela</a:t>
             </a:r>
             <a:r>
               <a:rPr lang="en-US" sz="3500" dirty="0" smtClean="0">
@@ -4261,6 +4413,48 @@
                 <a:latin typeface="Quicksand" panose="00000500000000000000" pitchFamily="2" charset="0"/>
                 <a:ea typeface="Roboto" panose="02000000000000000000" pitchFamily="2" charset="0"/>
               </a:rPr>
+              <a:t>contém</a:t>
+            </a:r>
+            <a:r>
+              <a:rPr lang="en-US" sz="3500" dirty="0" smtClean="0">
+                <a:latin typeface="Quicksand" panose="00000500000000000000" pitchFamily="2" charset="0"/>
+                <a:ea typeface="Roboto" panose="02000000000000000000" pitchFamily="2" charset="0"/>
+              </a:rPr>
+              <a:t> as  </a:t>
+            </a:r>
+            <a:r>
+              <a:rPr lang="en-US" sz="3500" dirty="0" err="1" smtClean="0">
+                <a:latin typeface="Quicksand" panose="00000500000000000000" pitchFamily="2" charset="0"/>
+                <a:ea typeface="Roboto" panose="02000000000000000000" pitchFamily="2" charset="0"/>
+              </a:rPr>
+              <a:t>comparações</a:t>
+            </a:r>
+            <a:r>
+              <a:rPr lang="en-US" sz="3500" dirty="0" smtClean="0">
+                <a:latin typeface="Quicksand" panose="00000500000000000000" pitchFamily="2" charset="0"/>
+                <a:ea typeface="Roboto" panose="02000000000000000000" pitchFamily="2" charset="0"/>
+              </a:rPr>
+              <a:t> de </a:t>
+            </a:r>
+            <a:r>
+              <a:rPr lang="en-US" sz="3500" dirty="0" err="1" smtClean="0">
+                <a:latin typeface="Quicksand" panose="00000500000000000000" pitchFamily="2" charset="0"/>
+                <a:ea typeface="Roboto" panose="02000000000000000000" pitchFamily="2" charset="0"/>
+              </a:rPr>
+              <a:t>arquivos</a:t>
+            </a:r>
+            <a:r>
+              <a:rPr lang="en-US" sz="3500" dirty="0" smtClean="0">
+                <a:latin typeface="Quicksand" panose="00000500000000000000" pitchFamily="2" charset="0"/>
+                <a:ea typeface="Roboto" panose="02000000000000000000" pitchFamily="2" charset="0"/>
+              </a:rPr>
+              <a:t> entre </a:t>
+            </a:r>
+            <a:r>
+              <a:rPr lang="en-US" sz="3500" dirty="0" err="1" smtClean="0">
+                <a:latin typeface="Quicksand" panose="00000500000000000000" pitchFamily="2" charset="0"/>
+                <a:ea typeface="Roboto" panose="02000000000000000000" pitchFamily="2" charset="0"/>
+              </a:rPr>
               <a:t>os</a:t>
             </a:r>
             <a:r>
@@ -4292,362 +4486,16 @@
               <a:t>projetos</a:t>
             </a:r>
             <a:r>
-              <a:rPr lang="en-US" sz="3500" dirty="0" smtClean="0">
-                <a:latin typeface="Quicksand" panose="00000500000000000000" pitchFamily="2" charset="0"/>
-                <a:ea typeface="Roboto" panose="02000000000000000000" pitchFamily="2" charset="0"/>
-              </a:rPr>
-              <a:t> </a:t>
-            </a:r>
-            <a:r>
-              <a:rPr lang="en-US" sz="3500" dirty="0" err="1" smtClean="0">
-                <a:latin typeface="Quicksand" panose="00000500000000000000" pitchFamily="2" charset="0"/>
-                <a:ea typeface="Roboto" panose="02000000000000000000" pitchFamily="2" charset="0"/>
-              </a:rPr>
-              <a:t>foi</a:t>
-            </a:r>
-            <a:r>
-              <a:rPr lang="en-US" sz="3500" dirty="0" smtClean="0">
-                <a:latin typeface="Quicksand" panose="00000500000000000000" pitchFamily="2" charset="0"/>
-                <a:ea typeface="Roboto" panose="02000000000000000000" pitchFamily="2" charset="0"/>
-              </a:rPr>
-              <a:t> </a:t>
-            </a:r>
-            <a:r>
-              <a:rPr lang="en-US" sz="3500" dirty="0" err="1" smtClean="0">
-                <a:latin typeface="Quicksand" panose="00000500000000000000" pitchFamily="2" charset="0"/>
-                <a:ea typeface="Roboto" panose="02000000000000000000" pitchFamily="2" charset="0"/>
-              </a:rPr>
-              <a:t>possível</a:t>
-            </a:r>
-            <a:r>
-              <a:rPr lang="en-US" sz="3500" dirty="0" smtClean="0">
-                <a:latin typeface="Quicksand" panose="00000500000000000000" pitchFamily="2" charset="0"/>
-                <a:ea typeface="Roboto" panose="02000000000000000000" pitchFamily="2" charset="0"/>
-              </a:rPr>
-              <a:t> </a:t>
-            </a:r>
-            <a:r>
-              <a:rPr lang="en-US" sz="3500" dirty="0" err="1" smtClean="0">
-                <a:latin typeface="Quicksand" panose="00000500000000000000" pitchFamily="2" charset="0"/>
-                <a:ea typeface="Roboto" panose="02000000000000000000" pitchFamily="2" charset="0"/>
-              </a:rPr>
-              <a:t>identificar</a:t>
-            </a:r>
-            <a:r>
-              <a:rPr lang="en-US" sz="3500" dirty="0" smtClean="0">
-                <a:latin typeface="Quicksand" panose="00000500000000000000" pitchFamily="2" charset="0"/>
-                <a:ea typeface="Roboto" panose="02000000000000000000" pitchFamily="2" charset="0"/>
-              </a:rPr>
-              <a:t> </a:t>
-            </a:r>
-            <a:r>
-              <a:rPr lang="en-US" sz="3500" dirty="0" err="1" smtClean="0">
-                <a:latin typeface="Quicksand" panose="00000500000000000000" pitchFamily="2" charset="0"/>
-                <a:ea typeface="Roboto" panose="02000000000000000000" pitchFamily="2" charset="0"/>
-              </a:rPr>
-              <a:t>uma</a:t>
-            </a:r>
-            <a:r>
-              <a:rPr lang="en-US" sz="3500" dirty="0" smtClean="0">
-                <a:latin typeface="Quicksand" panose="00000500000000000000" pitchFamily="2" charset="0"/>
-                <a:ea typeface="Roboto" panose="02000000000000000000" pitchFamily="2" charset="0"/>
-              </a:rPr>
-              <a:t> </a:t>
-            </a:r>
-            <a:r>
-              <a:rPr lang="en-US" sz="3500" dirty="0" err="1" smtClean="0">
-                <a:latin typeface="Quicksand" panose="00000500000000000000" pitchFamily="2" charset="0"/>
-                <a:ea typeface="Roboto" panose="02000000000000000000" pitchFamily="2" charset="0"/>
-              </a:rPr>
-              <a:t>reutilização</a:t>
-            </a:r>
-            <a:r>
-              <a:rPr lang="en-US" sz="3500" dirty="0" smtClean="0">
-                <a:latin typeface="Quicksand" panose="00000500000000000000" pitchFamily="2" charset="0"/>
-                <a:ea typeface="Roboto" panose="02000000000000000000" pitchFamily="2" charset="0"/>
-              </a:rPr>
-              <a:t> </a:t>
-            </a:r>
-            <a:r>
-              <a:rPr lang="en-US" sz="3500" dirty="0" err="1" smtClean="0">
-                <a:latin typeface="Quicksand" panose="00000500000000000000" pitchFamily="2" charset="0"/>
-                <a:ea typeface="Roboto" panose="02000000000000000000" pitchFamily="2" charset="0"/>
-              </a:rPr>
-              <a:t>muito</a:t>
-            </a:r>
-            <a:r>
-              <a:rPr lang="en-US" sz="3500" dirty="0" smtClean="0">
-                <a:latin typeface="Quicksand" panose="00000500000000000000" pitchFamily="2" charset="0"/>
-                <a:ea typeface="Roboto" panose="02000000000000000000" pitchFamily="2" charset="0"/>
-              </a:rPr>
-              <a:t> </a:t>
-            </a:r>
-            <a:r>
-              <a:rPr lang="en-US" sz="3500" dirty="0" err="1" smtClean="0">
-                <a:latin typeface="Quicksand" panose="00000500000000000000" pitchFamily="2" charset="0"/>
-                <a:ea typeface="Roboto" panose="02000000000000000000" pitchFamily="2" charset="0"/>
-              </a:rPr>
-              <a:t>grande</a:t>
-            </a:r>
-            <a:r>
-              <a:rPr lang="en-US" sz="3500" dirty="0" smtClean="0">
-                <a:latin typeface="Quicksand" panose="00000500000000000000" pitchFamily="2" charset="0"/>
-                <a:ea typeface="Roboto" panose="02000000000000000000" pitchFamily="2" charset="0"/>
-              </a:rPr>
-              <a:t> de </a:t>
-            </a:r>
-            <a:r>
-              <a:rPr lang="en-US" sz="3500" dirty="0" err="1" smtClean="0">
-                <a:latin typeface="Quicksand" panose="00000500000000000000" pitchFamily="2" charset="0"/>
-                <a:ea typeface="Roboto" panose="02000000000000000000" pitchFamily="2" charset="0"/>
-              </a:rPr>
-              <a:t>códigos</a:t>
-            </a:r>
-            <a:r>
-              <a:rPr lang="en-US" sz="3500" dirty="0" smtClean="0">
-                <a:latin typeface="Quicksand" panose="00000500000000000000" pitchFamily="2" charset="0"/>
-                <a:ea typeface="Roboto" panose="02000000000000000000" pitchFamily="2" charset="0"/>
-              </a:rPr>
-              <a:t>, </a:t>
-            </a:r>
-            <a:r>
-              <a:rPr lang="en-US" sz="3500" dirty="0" err="1" smtClean="0">
-                <a:latin typeface="Quicksand" panose="00000500000000000000" pitchFamily="2" charset="0"/>
-                <a:ea typeface="Roboto" panose="02000000000000000000" pitchFamily="2" charset="0"/>
-              </a:rPr>
-              <a:t>principalmente</a:t>
-            </a:r>
-            <a:r>
-              <a:rPr lang="en-US" sz="3500" dirty="0" smtClean="0">
-                <a:latin typeface="Quicksand" panose="00000500000000000000" pitchFamily="2" charset="0"/>
-                <a:ea typeface="Roboto" panose="02000000000000000000" pitchFamily="2" charset="0"/>
-              </a:rPr>
-              <a:t> </a:t>
-            </a:r>
-            <a:r>
-              <a:rPr lang="en-US" sz="3500" dirty="0" err="1" smtClean="0">
-                <a:latin typeface="Quicksand" panose="00000500000000000000" pitchFamily="2" charset="0"/>
-                <a:ea typeface="Roboto" panose="02000000000000000000" pitchFamily="2" charset="0"/>
-              </a:rPr>
-              <a:t>nas</a:t>
-            </a:r>
-            <a:r>
-              <a:rPr lang="en-US" sz="3500" dirty="0" smtClean="0">
-                <a:latin typeface="Quicksand" panose="00000500000000000000" pitchFamily="2" charset="0"/>
-                <a:ea typeface="Roboto" panose="02000000000000000000" pitchFamily="2" charset="0"/>
-              </a:rPr>
-              <a:t> </a:t>
-            </a:r>
-            <a:r>
-              <a:rPr lang="en-US" sz="3500" dirty="0" err="1" smtClean="0">
-                <a:latin typeface="Quicksand" panose="00000500000000000000" pitchFamily="2" charset="0"/>
-                <a:ea typeface="Roboto" panose="02000000000000000000" pitchFamily="2" charset="0"/>
-              </a:rPr>
-              <a:t>funções</a:t>
-            </a:r>
-            <a:r>
-              <a:rPr lang="en-US" sz="3500" dirty="0" smtClean="0">
-                <a:latin typeface="Quicksand" panose="00000500000000000000" pitchFamily="2" charset="0"/>
-                <a:ea typeface="Roboto" panose="02000000000000000000" pitchFamily="2" charset="0"/>
-              </a:rPr>
-              <a:t> de </a:t>
-            </a:r>
-            <a:r>
-              <a:rPr lang="en-US" sz="3500" dirty="0" err="1" smtClean="0">
-                <a:latin typeface="Quicksand" panose="00000500000000000000" pitchFamily="2" charset="0"/>
-                <a:ea typeface="Roboto" panose="02000000000000000000" pitchFamily="2" charset="0"/>
-              </a:rPr>
-              <a:t>conexão</a:t>
-            </a:r>
-            <a:r>
               <a:rPr lang="en-US" sz="3500" dirty="0">
                 <a:latin typeface="Quicksand" panose="00000500000000000000" pitchFamily="2" charset="0"/>
                 <a:ea typeface="Roboto" panose="02000000000000000000" pitchFamily="2" charset="0"/>
               </a:rPr>
-              <a:t> </a:t>
-            </a:r>
-            <a:r>
-              <a:rPr lang="en-US" sz="3500" dirty="0" smtClean="0">
-                <a:latin typeface="Quicksand" panose="00000500000000000000" pitchFamily="2" charset="0"/>
-                <a:ea typeface="Roboto" panose="02000000000000000000" pitchFamily="2" charset="0"/>
-              </a:rPr>
-              <a:t>com </a:t>
-            </a:r>
-            <a:r>
-              <a:rPr lang="en-US" sz="3500" dirty="0" err="1" smtClean="0">
-                <a:latin typeface="Quicksand" panose="00000500000000000000" pitchFamily="2" charset="0"/>
-                <a:ea typeface="Roboto" panose="02000000000000000000" pitchFamily="2" charset="0"/>
-              </a:rPr>
-              <a:t>api</a:t>
-            </a:r>
-            <a:r>
-              <a:rPr lang="en-US" sz="3500" dirty="0" smtClean="0">
-                <a:latin typeface="Quicksand" panose="00000500000000000000" pitchFamily="2" charset="0"/>
-                <a:ea typeface="Roboto" panose="02000000000000000000" pitchFamily="2" charset="0"/>
-              </a:rPr>
-              <a:t> e </a:t>
-            </a:r>
-            <a:r>
-              <a:rPr lang="en-US" sz="3500" dirty="0" err="1" smtClean="0">
-                <a:latin typeface="Quicksand" panose="00000500000000000000" pitchFamily="2" charset="0"/>
-                <a:ea typeface="Roboto" panose="02000000000000000000" pitchFamily="2" charset="0"/>
-              </a:rPr>
-              <a:t>controle</a:t>
-            </a:r>
-            <a:r>
-              <a:rPr lang="en-US" sz="3500" dirty="0" smtClean="0">
-                <a:latin typeface="Quicksand" panose="00000500000000000000" pitchFamily="2" charset="0"/>
-                <a:ea typeface="Roboto" panose="02000000000000000000" pitchFamily="2" charset="0"/>
-              </a:rPr>
-              <a:t> de </a:t>
-            </a:r>
-            <a:r>
-              <a:rPr lang="en-US" sz="3500" dirty="0" err="1" smtClean="0">
-                <a:latin typeface="Quicksand" panose="00000500000000000000" pitchFamily="2" charset="0"/>
-                <a:ea typeface="Roboto" panose="02000000000000000000" pitchFamily="2" charset="0"/>
-              </a:rPr>
-              <a:t>informações</a:t>
-            </a:r>
-            <a:r>
-              <a:rPr lang="en-US" sz="3500" dirty="0" smtClean="0">
-                <a:latin typeface="Quicksand" panose="00000500000000000000" pitchFamily="2" charset="0"/>
-                <a:ea typeface="Roboto" panose="02000000000000000000" pitchFamily="2" charset="0"/>
-              </a:rPr>
-              <a:t> da </a:t>
-            </a:r>
-            <a:r>
-              <a:rPr lang="en-US" sz="3500" dirty="0" err="1" smtClean="0">
-                <a:latin typeface="Quicksand" panose="00000500000000000000" pitchFamily="2" charset="0"/>
-                <a:ea typeface="Roboto" panose="02000000000000000000" pitchFamily="2" charset="0"/>
-              </a:rPr>
-              <a:t>aplicação</a:t>
-            </a:r>
-            <a:r>
-              <a:rPr lang="en-US" sz="3500" dirty="0">
-                <a:latin typeface="Quicksand" panose="00000500000000000000" pitchFamily="2" charset="0"/>
-                <a:ea typeface="Roboto" panose="02000000000000000000" pitchFamily="2" charset="0"/>
-              </a:rPr>
               <a:t>.</a:t>
             </a:r>
-            <a:r>
-              <a:rPr lang="en-US" sz="3500" dirty="0" smtClean="0">
-                <a:latin typeface="Quicksand" panose="00000500000000000000" pitchFamily="2" charset="0"/>
-                <a:ea typeface="Roboto" panose="02000000000000000000" pitchFamily="2" charset="0"/>
-              </a:rPr>
-              <a:t> E </a:t>
-            </a:r>
-            <a:r>
-              <a:rPr lang="en-US" sz="3500" dirty="0" err="1" smtClean="0">
-                <a:latin typeface="Quicksand" panose="00000500000000000000" pitchFamily="2" charset="0"/>
-                <a:ea typeface="Roboto" panose="02000000000000000000" pitchFamily="2" charset="0"/>
-              </a:rPr>
-              <a:t>nas</a:t>
-            </a:r>
-            <a:r>
-              <a:rPr lang="en-US" sz="3500" dirty="0" smtClean="0">
-                <a:latin typeface="Quicksand" panose="00000500000000000000" pitchFamily="2" charset="0"/>
-                <a:ea typeface="Roboto" panose="02000000000000000000" pitchFamily="2" charset="0"/>
-              </a:rPr>
-              <a:t> </a:t>
-            </a:r>
-            <a:r>
-              <a:rPr lang="en-US" sz="3500" dirty="0" err="1" smtClean="0">
-                <a:latin typeface="Quicksand" panose="00000500000000000000" pitchFamily="2" charset="0"/>
-                <a:ea typeface="Roboto" panose="02000000000000000000" pitchFamily="2" charset="0"/>
-              </a:rPr>
-              <a:t>outras</a:t>
-            </a:r>
-            <a:r>
-              <a:rPr lang="en-US" sz="3500" dirty="0" smtClean="0">
-                <a:latin typeface="Quicksand" panose="00000500000000000000" pitchFamily="2" charset="0"/>
-                <a:ea typeface="Roboto" panose="02000000000000000000" pitchFamily="2" charset="0"/>
-              </a:rPr>
-              <a:t> </a:t>
-            </a:r>
-            <a:r>
-              <a:rPr lang="en-US" sz="3500" dirty="0" err="1" smtClean="0">
-                <a:latin typeface="Quicksand" panose="00000500000000000000" pitchFamily="2" charset="0"/>
-                <a:ea typeface="Roboto" panose="02000000000000000000" pitchFamily="2" charset="0"/>
-              </a:rPr>
-              <a:t>partes</a:t>
-            </a:r>
-            <a:r>
-              <a:rPr lang="en-US" sz="3500" dirty="0">
-                <a:latin typeface="Quicksand" panose="00000500000000000000" pitchFamily="2" charset="0"/>
-                <a:ea typeface="Roboto" panose="02000000000000000000" pitchFamily="2" charset="0"/>
-              </a:rPr>
-              <a:t> </a:t>
-            </a:r>
-            <a:r>
-              <a:rPr lang="en-US" sz="3500" dirty="0" err="1" smtClean="0">
-                <a:latin typeface="Quicksand" panose="00000500000000000000" pitchFamily="2" charset="0"/>
-                <a:ea typeface="Roboto" panose="02000000000000000000" pitchFamily="2" charset="0"/>
-              </a:rPr>
-              <a:t>foram</a:t>
-            </a:r>
-            <a:r>
-              <a:rPr lang="en-US" sz="3500" dirty="0" smtClean="0">
-                <a:latin typeface="Quicksand" panose="00000500000000000000" pitchFamily="2" charset="0"/>
-                <a:ea typeface="Roboto" panose="02000000000000000000" pitchFamily="2" charset="0"/>
-              </a:rPr>
-              <a:t> </a:t>
-            </a:r>
-            <a:r>
-              <a:rPr lang="en-US" sz="3500" dirty="0" err="1" smtClean="0">
-                <a:latin typeface="Quicksand" panose="00000500000000000000" pitchFamily="2" charset="0"/>
-                <a:ea typeface="Roboto" panose="02000000000000000000" pitchFamily="2" charset="0"/>
-              </a:rPr>
-              <a:t>precisos</a:t>
-            </a:r>
-            <a:r>
-              <a:rPr lang="en-US" sz="3500" dirty="0" smtClean="0">
-                <a:latin typeface="Quicksand" panose="00000500000000000000" pitchFamily="2" charset="0"/>
-                <a:ea typeface="Roboto" panose="02000000000000000000" pitchFamily="2" charset="0"/>
-              </a:rPr>
-              <a:t> </a:t>
-            </a:r>
-            <a:r>
-              <a:rPr lang="en-US" sz="3500" dirty="0" err="1" smtClean="0">
-                <a:latin typeface="Quicksand" panose="00000500000000000000" pitchFamily="2" charset="0"/>
-                <a:ea typeface="Roboto" panose="02000000000000000000" pitchFamily="2" charset="0"/>
-              </a:rPr>
-              <a:t>somente</a:t>
-            </a:r>
-            <a:r>
-              <a:rPr lang="en-US" sz="3500" dirty="0" smtClean="0">
-                <a:latin typeface="Quicksand" panose="00000500000000000000" pitchFamily="2" charset="0"/>
-                <a:ea typeface="Roboto" panose="02000000000000000000" pitchFamily="2" charset="0"/>
-              </a:rPr>
-              <a:t> </a:t>
-            </a:r>
-            <a:r>
-              <a:rPr lang="en-US" sz="3500" dirty="0" err="1" smtClean="0">
-                <a:latin typeface="Quicksand" panose="00000500000000000000" pitchFamily="2" charset="0"/>
-                <a:ea typeface="Roboto" panose="02000000000000000000" pitchFamily="2" charset="0"/>
-              </a:rPr>
-              <a:t>alguns</a:t>
-            </a:r>
-            <a:r>
-              <a:rPr lang="en-US" sz="3500" dirty="0" smtClean="0">
-                <a:latin typeface="Quicksand" panose="00000500000000000000" pitchFamily="2" charset="0"/>
-                <a:ea typeface="Roboto" panose="02000000000000000000" pitchFamily="2" charset="0"/>
-              </a:rPr>
-              <a:t> </a:t>
-            </a:r>
-            <a:r>
-              <a:rPr lang="en-US" sz="3500" dirty="0" err="1" smtClean="0">
-                <a:latin typeface="Quicksand" panose="00000500000000000000" pitchFamily="2" charset="0"/>
-                <a:ea typeface="Roboto" panose="02000000000000000000" pitchFamily="2" charset="0"/>
-              </a:rPr>
-              <a:t>ajustes</a:t>
-            </a:r>
-            <a:r>
-              <a:rPr lang="en-US" sz="3500" dirty="0" smtClean="0">
-                <a:latin typeface="Quicksand" panose="00000500000000000000" pitchFamily="2" charset="0"/>
-                <a:ea typeface="Roboto" panose="02000000000000000000" pitchFamily="2" charset="0"/>
-              </a:rPr>
-              <a:t>.</a:t>
-            </a:r>
+            <a:endParaRPr lang="en-US" sz="3500" dirty="0" smtClean="0">
+              <a:latin typeface="Quicksand" panose="00000500000000000000" pitchFamily="2" charset="0"/>
+              <a:ea typeface="Roboto" panose="02000000000000000000" pitchFamily="2" charset="0"/>
+            </a:endParaRPr>
           </a:p>
         </p:txBody>
       </p:sp>
@@ -4699,553 +4547,6 @@
         <p:spPr>
           <a:xfrm>
             <a:off x="198984" y="260648"/>
-            <a:ext cx="9197552" cy="914400"/>
-          </a:xfrm>
-          <a:prstGeom prst="rect">
-            <a:avLst/>
-          </a:prstGeom>
-        </p:spPr>
-        <p:txBody>
-          <a:bodyPr vert="horz" lIns="91440" tIns="45720" rIns="91440" bIns="45720" rtlCol="0" anchor="b">
-            <a:noAutofit/>
-          </a:bodyPr>
-          <a:lstStyle>
-            <a:lvl1pPr algn="l" defTabSz="914400" rtl="0" eaLnBrk="1" latinLnBrk="0" hangingPunct="1">
-              <a:spcBef>
-                <a:spcPct val="0"/>
-              </a:spcBef>
-              <a:buNone/>
-              <a:defRPr sz="4900" kern="1200">
-                <a:solidFill>
-                  <a:schemeClr val="tx1"/>
-                </a:solidFill>
-                <a:effectLst>
-                  <a:outerShdw blurRad="38100" dist="38100" dir="2700000" algn="tl">
-                    <a:srgbClr val="000000">
-                      <a:alpha val="43137"/>
-                    </a:srgbClr>
-                  </a:outerShdw>
-                </a:effectLst>
-                <a:latin typeface="+mj-lt"/>
-                <a:ea typeface="+mj-ea"/>
-                <a:cs typeface="+mj-cs"/>
-              </a:defRPr>
-            </a:lvl1pPr>
-            <a:lvl2pPr eaLnBrk="1" hangingPunct="1">
-              <a:defRPr>
-                <a:solidFill>
-                  <a:schemeClr val="tx2"/>
-                </a:solidFill>
-              </a:defRPr>
-            </a:lvl2pPr>
-            <a:lvl3pPr eaLnBrk="1" hangingPunct="1">
-              <a:defRPr>
-                <a:solidFill>
-                  <a:schemeClr val="tx2"/>
-                </a:solidFill>
-              </a:defRPr>
-            </a:lvl3pPr>
-            <a:lvl4pPr eaLnBrk="1" hangingPunct="1">
-              <a:defRPr>
-                <a:solidFill>
-                  <a:schemeClr val="tx2"/>
-                </a:solidFill>
-              </a:defRPr>
-            </a:lvl4pPr>
-            <a:lvl5pPr eaLnBrk="1" hangingPunct="1">
-              <a:defRPr>
-                <a:solidFill>
-                  <a:schemeClr val="tx2"/>
-                </a:solidFill>
-              </a:defRPr>
-            </a:lvl5pPr>
-            <a:lvl6pPr eaLnBrk="1" hangingPunct="1">
-              <a:defRPr>
-                <a:solidFill>
-                  <a:schemeClr val="tx2"/>
-                </a:solidFill>
-              </a:defRPr>
-            </a:lvl6pPr>
-            <a:lvl7pPr eaLnBrk="1" hangingPunct="1">
-              <a:defRPr>
-                <a:solidFill>
-                  <a:schemeClr val="tx2"/>
-                </a:solidFill>
-              </a:defRPr>
-            </a:lvl7pPr>
-            <a:lvl8pPr eaLnBrk="1" hangingPunct="1">
-              <a:defRPr>
-                <a:solidFill>
-                  <a:schemeClr val="tx2"/>
-                </a:solidFill>
-              </a:defRPr>
-            </a:lvl8pPr>
-            <a:lvl9pPr eaLnBrk="1" hangingPunct="1">
-              <a:defRPr>
-                <a:solidFill>
-                  <a:schemeClr val="tx2"/>
-                </a:solidFill>
-              </a:defRPr>
-            </a:lvl9pPr>
-          </a:lstStyle>
-          <a:p>
-            <a:r>
-              <a:rPr lang="en-US" dirty="0" err="1">
-                <a:latin typeface="Quicksand" panose="00000500000000000000" pitchFamily="2" charset="0"/>
-                <a:ea typeface="Roboto" panose="02000000000000000000" pitchFamily="2" charset="0"/>
-              </a:rPr>
-              <a:t>Qual</a:t>
-            </a:r>
-            <a:r>
-              <a:rPr lang="en-US" dirty="0">
-                <a:latin typeface="Quicksand" panose="00000500000000000000" pitchFamily="2" charset="0"/>
-                <a:ea typeface="Roboto" panose="02000000000000000000" pitchFamily="2" charset="0"/>
-              </a:rPr>
-              <a:t> o </a:t>
-            </a:r>
-            <a:r>
-              <a:rPr lang="en-US" dirty="0" err="1">
-                <a:latin typeface="Quicksand" panose="00000500000000000000" pitchFamily="2" charset="0"/>
-                <a:ea typeface="Roboto" panose="02000000000000000000" pitchFamily="2" charset="0"/>
-              </a:rPr>
-              <a:t>resultado</a:t>
-            </a:r>
-            <a:r>
-              <a:rPr lang="en-US" dirty="0" smtClean="0">
-                <a:latin typeface="Quicksand" panose="00000500000000000000" pitchFamily="2" charset="0"/>
-                <a:ea typeface="Roboto" panose="02000000000000000000" pitchFamily="2" charset="0"/>
-              </a:rPr>
-              <a:t>? (</a:t>
-            </a:r>
-            <a:r>
-              <a:rPr lang="en-US" dirty="0" err="1" smtClean="0">
-                <a:latin typeface="Quicksand" panose="00000500000000000000" pitchFamily="2" charset="0"/>
-                <a:ea typeface="Roboto" panose="02000000000000000000" pitchFamily="2" charset="0"/>
-              </a:rPr>
-              <a:t>tabela</a:t>
-            </a:r>
-            <a:r>
-              <a:rPr lang="en-US" dirty="0" smtClean="0">
-                <a:latin typeface="Quicksand" panose="00000500000000000000" pitchFamily="2" charset="0"/>
-                <a:ea typeface="Roboto" panose="02000000000000000000" pitchFamily="2" charset="0"/>
-              </a:rPr>
-              <a:t>)</a:t>
-            </a:r>
-            <a:endParaRPr lang="pt-BR" dirty="0">
-              <a:latin typeface="Quicksand" panose="00000500000000000000" pitchFamily="2" charset="0"/>
-              <a:ea typeface="Roboto" panose="02000000000000000000" pitchFamily="2" charset="0"/>
-            </a:endParaRPr>
-          </a:p>
-        </p:txBody>
-      </p:sp>
-      <p:sp>
-        <p:nvSpPr>
-          <p:cNvPr id="5" name="Título 2"/>
-          <p:cNvSpPr txBox="1">
-            <a:spLocks/>
-          </p:cNvSpPr>
-          <p:nvPr/>
-        </p:nvSpPr>
-        <p:spPr>
-          <a:xfrm>
-            <a:off x="467544" y="3861048"/>
-            <a:ext cx="8208912" cy="3819824"/>
-          </a:xfrm>
-          <a:prstGeom prst="rect">
-            <a:avLst/>
-          </a:prstGeom>
-        </p:spPr>
-        <p:txBody>
-          <a:bodyPr vert="horz" lIns="91440" tIns="45720" rIns="91440" bIns="45720" rtlCol="0" anchor="t">
-            <a:noAutofit/>
-          </a:bodyPr>
-          <a:lstStyle>
-            <a:lvl1pPr algn="l" defTabSz="914400" rtl="0" eaLnBrk="1" latinLnBrk="0" hangingPunct="1">
-              <a:spcBef>
-                <a:spcPct val="0"/>
-              </a:spcBef>
-              <a:buNone/>
-              <a:defRPr sz="4900" kern="1200">
-                <a:solidFill>
-                  <a:schemeClr val="tx1"/>
-                </a:solidFill>
-                <a:effectLst>
-                  <a:outerShdw blurRad="38100" dist="38100" dir="2700000" algn="tl">
-                    <a:srgbClr val="000000">
-                      <a:alpha val="43137"/>
-                    </a:srgbClr>
-                  </a:outerShdw>
-                </a:effectLst>
-                <a:latin typeface="+mj-lt"/>
-                <a:ea typeface="+mj-ea"/>
-                <a:cs typeface="+mj-cs"/>
-              </a:defRPr>
-            </a:lvl1pPr>
-            <a:lvl2pPr eaLnBrk="1" hangingPunct="1">
-              <a:defRPr>
-                <a:solidFill>
-                  <a:schemeClr val="tx2"/>
-                </a:solidFill>
-              </a:defRPr>
-            </a:lvl2pPr>
-            <a:lvl3pPr eaLnBrk="1" hangingPunct="1">
-              <a:defRPr>
-                <a:solidFill>
-                  <a:schemeClr val="tx2"/>
-                </a:solidFill>
-              </a:defRPr>
-            </a:lvl3pPr>
-            <a:lvl4pPr eaLnBrk="1" hangingPunct="1">
-              <a:defRPr>
-                <a:solidFill>
-                  <a:schemeClr val="tx2"/>
-                </a:solidFill>
-              </a:defRPr>
-            </a:lvl4pPr>
-            <a:lvl5pPr eaLnBrk="1" hangingPunct="1">
-              <a:defRPr>
-                <a:solidFill>
-                  <a:schemeClr val="tx2"/>
-                </a:solidFill>
-              </a:defRPr>
-            </a:lvl5pPr>
-            <a:lvl6pPr eaLnBrk="1" hangingPunct="1">
-              <a:defRPr>
-                <a:solidFill>
-                  <a:schemeClr val="tx2"/>
-                </a:solidFill>
-              </a:defRPr>
-            </a:lvl6pPr>
-            <a:lvl7pPr eaLnBrk="1" hangingPunct="1">
-              <a:defRPr>
-                <a:solidFill>
-                  <a:schemeClr val="tx2"/>
-                </a:solidFill>
-              </a:defRPr>
-            </a:lvl7pPr>
-            <a:lvl8pPr eaLnBrk="1" hangingPunct="1">
-              <a:defRPr>
-                <a:solidFill>
-                  <a:schemeClr val="tx2"/>
-                </a:solidFill>
-              </a:defRPr>
-            </a:lvl8pPr>
-            <a:lvl9pPr eaLnBrk="1" hangingPunct="1">
-              <a:defRPr>
-                <a:solidFill>
-                  <a:schemeClr val="tx2"/>
-                </a:solidFill>
-              </a:defRPr>
-            </a:lvl9pPr>
-          </a:lstStyle>
-          <a:p>
-            <a:pPr algn="just"/>
-            <a:endParaRPr lang="en-US" sz="3500" dirty="0" smtClean="0">
-              <a:latin typeface="Quicksand" panose="00000500000000000000" pitchFamily="2" charset="0"/>
-              <a:ea typeface="Roboto" panose="02000000000000000000" pitchFamily="2" charset="0"/>
-            </a:endParaRPr>
-          </a:p>
-        </p:txBody>
-      </p:sp>
-      <p:pic>
-        <p:nvPicPr>
-          <p:cNvPr id="7" name="Imagem 6"/>
-          <p:cNvPicPr>
-            <a:picLocks noChangeAspect="1"/>
-          </p:cNvPicPr>
-          <p:nvPr/>
-        </p:nvPicPr>
-        <p:blipFill>
-          <a:blip r:embed="rId2">
-            <a:extLst>
-              <a:ext uri="{28A0092B-C50C-407E-A947-70E740481C1C}">
-                <a14:useLocalDpi xmlns:a14="http://schemas.microsoft.com/office/drawing/2010/main" val="0"/>
-              </a:ext>
-            </a:extLst>
-          </a:blip>
-          <a:stretch>
-            <a:fillRect/>
-          </a:stretch>
-        </p:blipFill>
-        <p:spPr>
-          <a:xfrm>
-            <a:off x="306924" y="1699830"/>
-            <a:ext cx="8532440" cy="2161218"/>
-          </a:xfrm>
-          <a:prstGeom prst="rect">
-            <a:avLst/>
-          </a:prstGeom>
-        </p:spPr>
-      </p:pic>
-      <p:sp>
-        <p:nvSpPr>
-          <p:cNvPr id="8" name="Título 2"/>
-          <p:cNvSpPr txBox="1">
-            <a:spLocks/>
-          </p:cNvSpPr>
-          <p:nvPr/>
-        </p:nvSpPr>
-        <p:spPr>
-          <a:xfrm>
-            <a:off x="467544" y="4221088"/>
-            <a:ext cx="8208912" cy="1443560"/>
-          </a:xfrm>
-          <a:prstGeom prst="rect">
-            <a:avLst/>
-          </a:prstGeom>
-        </p:spPr>
-        <p:txBody>
-          <a:bodyPr vert="horz" lIns="91440" tIns="45720" rIns="91440" bIns="45720" rtlCol="0" anchor="t">
-            <a:noAutofit/>
-          </a:bodyPr>
-          <a:lstStyle>
-            <a:lvl1pPr algn="l" defTabSz="914400" rtl="0" eaLnBrk="1" latinLnBrk="0" hangingPunct="1">
-              <a:spcBef>
-                <a:spcPct val="0"/>
-              </a:spcBef>
-              <a:buNone/>
-              <a:defRPr sz="4900" kern="1200">
-                <a:solidFill>
-                  <a:schemeClr val="tx1"/>
-                </a:solidFill>
-                <a:effectLst>
-                  <a:outerShdw blurRad="38100" dist="38100" dir="2700000" algn="tl">
-                    <a:srgbClr val="000000">
-                      <a:alpha val="43137"/>
-                    </a:srgbClr>
-                  </a:outerShdw>
-                </a:effectLst>
-                <a:latin typeface="+mj-lt"/>
-                <a:ea typeface="+mj-ea"/>
-                <a:cs typeface="+mj-cs"/>
-              </a:defRPr>
-            </a:lvl1pPr>
-            <a:lvl2pPr eaLnBrk="1" hangingPunct="1">
-              <a:defRPr>
-                <a:solidFill>
-                  <a:schemeClr val="tx2"/>
-                </a:solidFill>
-              </a:defRPr>
-            </a:lvl2pPr>
-            <a:lvl3pPr eaLnBrk="1" hangingPunct="1">
-              <a:defRPr>
-                <a:solidFill>
-                  <a:schemeClr val="tx2"/>
-                </a:solidFill>
-              </a:defRPr>
-            </a:lvl3pPr>
-            <a:lvl4pPr eaLnBrk="1" hangingPunct="1">
-              <a:defRPr>
-                <a:solidFill>
-                  <a:schemeClr val="tx2"/>
-                </a:solidFill>
-              </a:defRPr>
-            </a:lvl4pPr>
-            <a:lvl5pPr eaLnBrk="1" hangingPunct="1">
-              <a:defRPr>
-                <a:solidFill>
-                  <a:schemeClr val="tx2"/>
-                </a:solidFill>
-              </a:defRPr>
-            </a:lvl5pPr>
-            <a:lvl6pPr eaLnBrk="1" hangingPunct="1">
-              <a:defRPr>
-                <a:solidFill>
-                  <a:schemeClr val="tx2"/>
-                </a:solidFill>
-              </a:defRPr>
-            </a:lvl6pPr>
-            <a:lvl7pPr eaLnBrk="1" hangingPunct="1">
-              <a:defRPr>
-                <a:solidFill>
-                  <a:schemeClr val="tx2"/>
-                </a:solidFill>
-              </a:defRPr>
-            </a:lvl7pPr>
-            <a:lvl8pPr eaLnBrk="1" hangingPunct="1">
-              <a:defRPr>
-                <a:solidFill>
-                  <a:schemeClr val="tx2"/>
-                </a:solidFill>
-              </a:defRPr>
-            </a:lvl8pPr>
-            <a:lvl9pPr eaLnBrk="1" hangingPunct="1">
-              <a:defRPr>
-                <a:solidFill>
-                  <a:schemeClr val="tx2"/>
-                </a:solidFill>
-              </a:defRPr>
-            </a:lvl9pPr>
-          </a:lstStyle>
-          <a:p>
-            <a:pPr algn="just"/>
-            <a:r>
-              <a:rPr lang="en-US" sz="3500" dirty="0" err="1" smtClean="0">
-                <a:latin typeface="Quicksand" panose="00000500000000000000" pitchFamily="2" charset="0"/>
-                <a:ea typeface="Roboto" panose="02000000000000000000" pitchFamily="2" charset="0"/>
-              </a:rPr>
-              <a:t>Esta</a:t>
-            </a:r>
-            <a:r>
-              <a:rPr lang="en-US" sz="3500" dirty="0" smtClean="0">
-                <a:latin typeface="Quicksand" panose="00000500000000000000" pitchFamily="2" charset="0"/>
-                <a:ea typeface="Roboto" panose="02000000000000000000" pitchFamily="2" charset="0"/>
-              </a:rPr>
-              <a:t> </a:t>
-            </a:r>
-            <a:r>
-              <a:rPr lang="en-US" sz="3500" dirty="0" err="1" smtClean="0">
-                <a:latin typeface="Quicksand" panose="00000500000000000000" pitchFamily="2" charset="0"/>
-                <a:ea typeface="Roboto" panose="02000000000000000000" pitchFamily="2" charset="0"/>
-              </a:rPr>
-              <a:t>tabela</a:t>
-            </a:r>
-            <a:r>
-              <a:rPr lang="en-US" sz="3500" dirty="0" smtClean="0">
-                <a:latin typeface="Quicksand" panose="00000500000000000000" pitchFamily="2" charset="0"/>
-                <a:ea typeface="Roboto" panose="02000000000000000000" pitchFamily="2" charset="0"/>
-              </a:rPr>
-              <a:t> </a:t>
-            </a:r>
-            <a:r>
-              <a:rPr lang="en-US" sz="3500" dirty="0" err="1" smtClean="0">
-                <a:latin typeface="Quicksand" panose="00000500000000000000" pitchFamily="2" charset="0"/>
-                <a:ea typeface="Roboto" panose="02000000000000000000" pitchFamily="2" charset="0"/>
-              </a:rPr>
-              <a:t>contém</a:t>
-            </a:r>
-            <a:r>
-              <a:rPr lang="en-US" sz="3500" dirty="0" smtClean="0">
-                <a:latin typeface="Quicksand" panose="00000500000000000000" pitchFamily="2" charset="0"/>
-                <a:ea typeface="Roboto" panose="02000000000000000000" pitchFamily="2" charset="0"/>
-              </a:rPr>
-              <a:t> as  </a:t>
-            </a:r>
-            <a:r>
-              <a:rPr lang="en-US" sz="3500" dirty="0" err="1" smtClean="0">
-                <a:latin typeface="Quicksand" panose="00000500000000000000" pitchFamily="2" charset="0"/>
-                <a:ea typeface="Roboto" panose="02000000000000000000" pitchFamily="2" charset="0"/>
-              </a:rPr>
-              <a:t>comparações</a:t>
-            </a:r>
-            <a:r>
-              <a:rPr lang="en-US" sz="3500" dirty="0" smtClean="0">
-                <a:latin typeface="Quicksand" panose="00000500000000000000" pitchFamily="2" charset="0"/>
-                <a:ea typeface="Roboto" panose="02000000000000000000" pitchFamily="2" charset="0"/>
-              </a:rPr>
-              <a:t> de </a:t>
-            </a:r>
-            <a:r>
-              <a:rPr lang="en-US" sz="3500" dirty="0" err="1" smtClean="0">
-                <a:latin typeface="Quicksand" panose="00000500000000000000" pitchFamily="2" charset="0"/>
-                <a:ea typeface="Roboto" panose="02000000000000000000" pitchFamily="2" charset="0"/>
-              </a:rPr>
-              <a:t>arquivos</a:t>
-            </a:r>
-            <a:r>
-              <a:rPr lang="en-US" sz="3500" dirty="0" smtClean="0">
-                <a:latin typeface="Quicksand" panose="00000500000000000000" pitchFamily="2" charset="0"/>
-                <a:ea typeface="Roboto" panose="02000000000000000000" pitchFamily="2" charset="0"/>
-              </a:rPr>
-              <a:t> entre </a:t>
-            </a:r>
-            <a:r>
-              <a:rPr lang="en-US" sz="3500" dirty="0" err="1" smtClean="0">
-                <a:latin typeface="Quicksand" panose="00000500000000000000" pitchFamily="2" charset="0"/>
-                <a:ea typeface="Roboto" panose="02000000000000000000" pitchFamily="2" charset="0"/>
-              </a:rPr>
-              <a:t>os</a:t>
-            </a:r>
-            <a:r>
-              <a:rPr lang="en-US" sz="3500" dirty="0" smtClean="0">
-                <a:latin typeface="Quicksand" panose="00000500000000000000" pitchFamily="2" charset="0"/>
-                <a:ea typeface="Roboto" panose="02000000000000000000" pitchFamily="2" charset="0"/>
-              </a:rPr>
-              <a:t> </a:t>
-            </a:r>
-            <a:r>
-              <a:rPr lang="en-US" sz="3500" dirty="0" err="1" smtClean="0">
-                <a:latin typeface="Quicksand" panose="00000500000000000000" pitchFamily="2" charset="0"/>
-                <a:ea typeface="Roboto" panose="02000000000000000000" pitchFamily="2" charset="0"/>
-              </a:rPr>
-              <a:t>dois</a:t>
-            </a:r>
-            <a:r>
-              <a:rPr lang="en-US" sz="3500" dirty="0" smtClean="0">
-                <a:latin typeface="Quicksand" panose="00000500000000000000" pitchFamily="2" charset="0"/>
-                <a:ea typeface="Roboto" panose="02000000000000000000" pitchFamily="2" charset="0"/>
-              </a:rPr>
-              <a:t> </a:t>
-            </a:r>
-            <a:r>
-              <a:rPr lang="en-US" sz="3500" dirty="0" err="1" smtClean="0">
-                <a:latin typeface="Quicksand" panose="00000500000000000000" pitchFamily="2" charset="0"/>
-                <a:ea typeface="Roboto" panose="02000000000000000000" pitchFamily="2" charset="0"/>
-              </a:rPr>
-              <a:t>projetos</a:t>
-            </a:r>
-            <a:r>
-              <a:rPr lang="en-US" sz="3500" dirty="0">
-                <a:latin typeface="Quicksand" panose="00000500000000000000" pitchFamily="2" charset="0"/>
-                <a:ea typeface="Roboto" panose="02000000000000000000" pitchFamily="2" charset="0"/>
-              </a:rPr>
-              <a:t>.</a:t>
-            </a:r>
-            <a:endParaRPr lang="en-US" sz="3500" dirty="0" smtClean="0">
-              <a:latin typeface="Quicksand" panose="00000500000000000000" pitchFamily="2" charset="0"/>
-              <a:ea typeface="Roboto" panose="02000000000000000000" pitchFamily="2" charset="0"/>
-            </a:endParaRPr>
-          </a:p>
-        </p:txBody>
-      </p:sp>
-    </p:spTree>
-    <p:extLst>
-      <p:ext uri="{BB962C8B-B14F-4D97-AF65-F5344CB8AC3E}">
-        <p14:creationId xmlns:p14="http://schemas.microsoft.com/office/powerpoint/2010/main" val="3533967833"/>
-      </p:ext>
-    </p:extLst>
-  </p:cSld>
-  <p:clrMapOvr>
-    <a:masterClrMapping/>
-  </p:clrMapOvr>
-  <p:timing>
-    <p:tnLst>
-      <p:par>
-        <p:cTn id="1" dur="indefinite" restart="never" nodeType="tmRoot"/>
-      </p:par>
-    </p:tnLst>
-  </p:timing>
-</p:sld>
-</file>
-
-<file path=ppt/slides/slide12.xml><?xml version="1.0" encoding="utf-8"?>
-<p:sld xmlns:a="http://schemas.openxmlformats.org/drawingml/2006/main" xmlns:r="http://schemas.openxmlformats.org/officeDocument/2006/relationships" xmlns:p="http://schemas.openxmlformats.org/presentationml/2006/main">
-  <p:cSld>
-    <p:spTree>
-      <p:nvGrpSpPr>
-        <p:cNvPr id="1" name=""/>
-        <p:cNvGrpSpPr/>
-        <p:nvPr/>
-      </p:nvGrpSpPr>
-      <p:grpSpPr>
-        <a:xfrm>
-          <a:off x="0" y="0"/>
-          <a:ext cx="0" cy="0"/>
-          <a:chOff x="0" y="0"/>
-          <a:chExt cx="0" cy="0"/>
-        </a:xfrm>
-      </p:grpSpPr>
-      <p:sp>
-        <p:nvSpPr>
-          <p:cNvPr id="4" name="Título 2"/>
-          <p:cNvSpPr txBox="1">
-            <a:spLocks/>
-          </p:cNvSpPr>
-          <p:nvPr/>
-        </p:nvSpPr>
-        <p:spPr>
-          <a:xfrm>
-            <a:off x="198984" y="260648"/>
             <a:ext cx="7543800" cy="914400"/>
           </a:xfrm>
           <a:prstGeom prst="rect">
@@ -7212,7 +6513,7 @@
     </p:spTree>
     <p:extLst>
       <p:ext uri="{BB962C8B-B14F-4D97-AF65-F5344CB8AC3E}">
-        <p14:creationId xmlns:p14="http://schemas.microsoft.com/office/powerpoint/2010/main" val="1318727807"/>
+        <p14:creationId xmlns:p14="http://schemas.microsoft.com/office/powerpoint/2010/main" val="668963400"/>
       </p:ext>
     </p:extLst>
   </p:cSld>
@@ -7359,7 +6660,7 @@
                 <a:latin typeface="Quicksand" panose="00000500000000000000" pitchFamily="2" charset="0"/>
                 <a:ea typeface="Roboto" panose="02000000000000000000" pitchFamily="2" charset="0"/>
               </a:rPr>
-              <a:t> </a:t>
+              <a:t> sub-</a:t>
             </a:r>
             <a:r>
               <a:rPr lang="en-US" dirty="0" err="1" smtClean="0">
@@ -7489,35 +6790,140 @@
                 <a:latin typeface="Quicksand" panose="00000500000000000000" pitchFamily="2" charset="0"/>
                 <a:ea typeface="Roboto" panose="02000000000000000000" pitchFamily="2" charset="0"/>
               </a:rPr>
-              <a:t>Para a </a:t>
-            </a:r>
-            <a:r>
-              <a:rPr lang="en-US" sz="3500" dirty="0" err="1" smtClean="0">
-                <a:latin typeface="Quicksand" panose="00000500000000000000" pitchFamily="2" charset="0"/>
-                <a:ea typeface="Roboto" panose="02000000000000000000" pitchFamily="2" charset="0"/>
-              </a:rPr>
-              <a:t>realização</a:t>
-            </a:r>
-            <a:r>
-              <a:rPr lang="en-US" sz="3500" dirty="0">
+              <a:t>Para </a:t>
+            </a:r>
+            <a:r>
+              <a:rPr lang="en-US" sz="3500" dirty="0" err="1" smtClean="0">
+                <a:latin typeface="Quicksand" panose="00000500000000000000" pitchFamily="2" charset="0"/>
+                <a:ea typeface="Roboto" panose="02000000000000000000" pitchFamily="2" charset="0"/>
+              </a:rPr>
+              <a:t>fazer</a:t>
+            </a:r>
+            <a:r>
+              <a:rPr lang="en-US" sz="3500" dirty="0" smtClean="0">
+                <a:latin typeface="Quicksand" panose="00000500000000000000" pitchFamily="2" charset="0"/>
+                <a:ea typeface="Roboto" panose="02000000000000000000" pitchFamily="2" charset="0"/>
+              </a:rPr>
+              <a:t> a </a:t>
+            </a:r>
+            <a:r>
+              <a:rPr lang="en-US" sz="3500" dirty="0" err="1" smtClean="0">
+                <a:latin typeface="Quicksand" panose="00000500000000000000" pitchFamily="2" charset="0"/>
+                <a:ea typeface="Roboto" panose="02000000000000000000" pitchFamily="2" charset="0"/>
+              </a:rPr>
+              <a:t>conversão</a:t>
+            </a:r>
+            <a:r>
+              <a:rPr lang="en-US" sz="3500" dirty="0" smtClean="0">
+                <a:latin typeface="Quicksand" panose="00000500000000000000" pitchFamily="2" charset="0"/>
+                <a:ea typeface="Roboto" panose="02000000000000000000" pitchFamily="2" charset="0"/>
+              </a:rPr>
+              <a:t> do </a:t>
+            </a:r>
+            <a:r>
+              <a:rPr lang="en-US" sz="3500" dirty="0" err="1" smtClean="0">
+                <a:latin typeface="Quicksand" panose="00000500000000000000" pitchFamily="2" charset="0"/>
+                <a:ea typeface="Roboto" panose="02000000000000000000" pitchFamily="2" charset="0"/>
+              </a:rPr>
+              <a:t>código</a:t>
+            </a:r>
+            <a:r>
+              <a:rPr lang="en-US" sz="3500" dirty="0" smtClean="0">
+                <a:latin typeface="Quicksand" panose="00000500000000000000" pitchFamily="2" charset="0"/>
+                <a:ea typeface="Roboto" panose="02000000000000000000" pitchFamily="2" charset="0"/>
+              </a:rPr>
+              <a:t> mobile </a:t>
+            </a:r>
+            <a:r>
+              <a:rPr lang="en-US" sz="3500" dirty="0" err="1" smtClean="0">
+                <a:latin typeface="Quicksand" panose="00000500000000000000" pitchFamily="2" charset="0"/>
+                <a:ea typeface="Roboto" panose="02000000000000000000" pitchFamily="2" charset="0"/>
+              </a:rPr>
+              <a:t>para</a:t>
+            </a:r>
+            <a:r>
+              <a:rPr lang="en-US" sz="3500" dirty="0" smtClean="0">
+                <a:latin typeface="Quicksand" panose="00000500000000000000" pitchFamily="2" charset="0"/>
+                <a:ea typeface="Roboto" panose="02000000000000000000" pitchFamily="2" charset="0"/>
+              </a:rPr>
+              <a:t> o </a:t>
+            </a:r>
+            <a:r>
+              <a:rPr lang="en-US" sz="3500" dirty="0" err="1" smtClean="0">
+                <a:latin typeface="Quicksand" panose="00000500000000000000" pitchFamily="2" charset="0"/>
+                <a:ea typeface="Roboto" panose="02000000000000000000" pitchFamily="2" charset="0"/>
+              </a:rPr>
+              <a:t>código</a:t>
+            </a:r>
+            <a:r>
+              <a:rPr lang="en-US" sz="3500" dirty="0" smtClean="0">
+                <a:latin typeface="Quicksand" panose="00000500000000000000" pitchFamily="2" charset="0"/>
+                <a:ea typeface="Roboto" panose="02000000000000000000" pitchFamily="2" charset="0"/>
+              </a:rPr>
+              <a:t> web, </a:t>
+            </a:r>
+            <a:r>
+              <a:rPr lang="en-US" sz="3500" dirty="0" err="1" smtClean="0">
+                <a:latin typeface="Quicksand" panose="00000500000000000000" pitchFamily="2" charset="0"/>
+                <a:ea typeface="Roboto" panose="02000000000000000000" pitchFamily="2" charset="0"/>
+              </a:rPr>
+              <a:t>foi</a:t>
+            </a:r>
+            <a:r>
+              <a:rPr lang="en-US" sz="3500" dirty="0" smtClean="0">
+                <a:latin typeface="Quicksand" panose="00000500000000000000" pitchFamily="2" charset="0"/>
+                <a:ea typeface="Roboto" panose="02000000000000000000" pitchFamily="2" charset="0"/>
+              </a:rPr>
+              <a:t>-se </a:t>
+            </a:r>
+            <a:r>
+              <a:rPr lang="en-US" sz="3500" dirty="0" err="1" smtClean="0">
+                <a:latin typeface="Quicksand" panose="00000500000000000000" pitchFamily="2" charset="0"/>
+                <a:ea typeface="Roboto" panose="02000000000000000000" pitchFamily="2" charset="0"/>
+              </a:rPr>
+              <a:t>utilizado</a:t>
+            </a:r>
+            <a:r>
+              <a:rPr lang="en-US" sz="3500" dirty="0" smtClean="0">
+                <a:latin typeface="Quicksand" panose="00000500000000000000" pitchFamily="2" charset="0"/>
+                <a:ea typeface="Roboto" panose="02000000000000000000" pitchFamily="2" charset="0"/>
+              </a:rPr>
+              <a:t> a </a:t>
+            </a:r>
+            <a:r>
+              <a:rPr lang="en-US" sz="3500" dirty="0" err="1" smtClean="0">
+                <a:latin typeface="Quicksand" panose="00000500000000000000" pitchFamily="2" charset="0"/>
+                <a:ea typeface="Roboto" panose="02000000000000000000" pitchFamily="2" charset="0"/>
+              </a:rPr>
+              <a:t>biblioteca</a:t>
+            </a:r>
+            <a:r>
+              <a:rPr lang="en-US" sz="3500" dirty="0" smtClean="0">
+                <a:latin typeface="Quicksand" panose="00000500000000000000" pitchFamily="2" charset="0"/>
+                <a:ea typeface="Roboto" panose="02000000000000000000" pitchFamily="2" charset="0"/>
+              </a:rPr>
+              <a:t> react-native-web </a:t>
+            </a:r>
+            <a:r>
+              <a:rPr lang="en-US" sz="3500" dirty="0" err="1" smtClean="0">
+                <a:latin typeface="Quicksand" panose="00000500000000000000" pitchFamily="2" charset="0"/>
+                <a:ea typeface="Roboto" panose="02000000000000000000" pitchFamily="2" charset="0"/>
+              </a:rPr>
+              <a:t>que</a:t>
+            </a:r>
+            <a:r>
+              <a:rPr lang="en-US" sz="3500" dirty="0" smtClean="0">
                 <a:latin typeface="Quicksand" panose="00000500000000000000" pitchFamily="2" charset="0"/>
                 <a:ea typeface="Roboto" panose="02000000000000000000" pitchFamily="2" charset="0"/>
               </a:rPr>
               <a:t> </a:t>
             </a:r>
             <a:r>
-              <a:rPr lang="en-US" sz="3500" dirty="0" smtClean="0">
-                <a:latin typeface="Quicksand" panose="00000500000000000000" pitchFamily="2" charset="0"/>
-                <a:ea typeface="Roboto" panose="02000000000000000000" pitchFamily="2" charset="0"/>
-              </a:rPr>
-              <a:t>da </a:t>
-            </a:r>
-            <a:r>
-              <a:rPr lang="en-US" sz="3500" dirty="0" err="1" smtClean="0">
-                <a:latin typeface="Quicksand" panose="00000500000000000000" pitchFamily="2" charset="0"/>
-                <a:ea typeface="Roboto" panose="02000000000000000000" pitchFamily="2" charset="0"/>
-              </a:rPr>
-              <a:t>análise</a:t>
+              <a:rPr lang="en-US" sz="3500" dirty="0" err="1" smtClean="0">
+                <a:latin typeface="Quicksand" panose="00000500000000000000" pitchFamily="2" charset="0"/>
+                <a:ea typeface="Roboto" panose="02000000000000000000" pitchFamily="2" charset="0"/>
+              </a:rPr>
+              <a:t>converte</a:t>
             </a:r>
             <a:r>
               <a:rPr lang="en-US" sz="3500" dirty="0" smtClean="0">
@@ -7531,7 +6937,21 @@
                 <a:latin typeface="Quicksand" panose="00000500000000000000" pitchFamily="2" charset="0"/>
                 <a:ea typeface="Roboto" panose="02000000000000000000" pitchFamily="2" charset="0"/>
               </a:rPr>
-              <a:t>projeto</a:t>
+              <a:t>possibilita</a:t>
+            </a:r>
+            <a:r>
+              <a:rPr lang="en-US" sz="3500" dirty="0" smtClean="0">
+                <a:latin typeface="Quicksand" panose="00000500000000000000" pitchFamily="2" charset="0"/>
+                <a:ea typeface="Roboto" panose="02000000000000000000" pitchFamily="2" charset="0"/>
+              </a:rPr>
+              <a:t> o </a:t>
+            </a:r>
+            <a:r>
+              <a:rPr lang="en-US" sz="3500" dirty="0" err="1" smtClean="0">
+                <a:latin typeface="Quicksand" panose="00000500000000000000" pitchFamily="2" charset="0"/>
+                <a:ea typeface="Roboto" panose="02000000000000000000" pitchFamily="2" charset="0"/>
+              </a:rPr>
+              <a:t>navegador</a:t>
             </a:r>
             <a:r>
               <a:rPr lang="en-US" sz="3500" dirty="0" smtClean="0">
@@ -7545,7 +6965,35 @@
                 <a:latin typeface="Quicksand" panose="00000500000000000000" pitchFamily="2" charset="0"/>
                 <a:ea typeface="Roboto" panose="02000000000000000000" pitchFamily="2" charset="0"/>
               </a:rPr>
-              <a:t>foi</a:t>
+              <a:t>entender</a:t>
+            </a:r>
+            <a:r>
+              <a:rPr lang="en-US" sz="3500" dirty="0" smtClean="0">
+                <a:latin typeface="Quicksand" panose="00000500000000000000" pitchFamily="2" charset="0"/>
+                <a:ea typeface="Roboto" panose="02000000000000000000" pitchFamily="2" charset="0"/>
+              </a:rPr>
+              <a:t> o </a:t>
+            </a:r>
+            <a:r>
+              <a:rPr lang="en-US" sz="3500" dirty="0" err="1" smtClean="0">
+                <a:latin typeface="Quicksand" panose="00000500000000000000" pitchFamily="2" charset="0"/>
+                <a:ea typeface="Roboto" panose="02000000000000000000" pitchFamily="2" charset="0"/>
+              </a:rPr>
+              <a:t>código</a:t>
+            </a:r>
+            <a:r>
+              <a:rPr lang="en-US" sz="3500" dirty="0" smtClean="0">
+                <a:latin typeface="Quicksand" panose="00000500000000000000" pitchFamily="2" charset="0"/>
+                <a:ea typeface="Roboto" panose="02000000000000000000" pitchFamily="2" charset="0"/>
+              </a:rPr>
+              <a:t> mobile </a:t>
+            </a:r>
+            <a:r>
+              <a:rPr lang="en-US" sz="3500" dirty="0" err="1" smtClean="0">
+                <a:latin typeface="Quicksand" panose="00000500000000000000" pitchFamily="2" charset="0"/>
+                <a:ea typeface="Roboto" panose="02000000000000000000" pitchFamily="2" charset="0"/>
+              </a:rPr>
+              <a:t>gerado</a:t>
             </a:r>
             <a:r>
               <a:rPr lang="en-US" sz="3500" dirty="0" smtClean="0">
@@ -7559,62 +7007,6 @@
                 <a:latin typeface="Quicksand" panose="00000500000000000000" pitchFamily="2" charset="0"/>
                 <a:ea typeface="Roboto" panose="02000000000000000000" pitchFamily="2" charset="0"/>
               </a:rPr>
-              <a:t>utilizado</a:t>
-            </a:r>
-            <a:r>
-              <a:rPr lang="en-US" sz="3500" dirty="0" smtClean="0">
-                <a:latin typeface="Quicksand" panose="00000500000000000000" pitchFamily="2" charset="0"/>
-                <a:ea typeface="Roboto" panose="02000000000000000000" pitchFamily="2" charset="0"/>
-              </a:rPr>
-              <a:t> as </a:t>
-            </a:r>
-            <a:r>
-              <a:rPr lang="en-US" sz="3500" dirty="0" err="1" smtClean="0">
-                <a:latin typeface="Quicksand" panose="00000500000000000000" pitchFamily="2" charset="0"/>
-                <a:ea typeface="Roboto" panose="02000000000000000000" pitchFamily="2" charset="0"/>
-              </a:rPr>
-              <a:t>bibliotecas</a:t>
-            </a:r>
-            <a:r>
-              <a:rPr lang="en-US" sz="3500" dirty="0" smtClean="0">
-                <a:latin typeface="Quicksand" panose="00000500000000000000" pitchFamily="2" charset="0"/>
-                <a:ea typeface="Roboto" panose="02000000000000000000" pitchFamily="2" charset="0"/>
-              </a:rPr>
-              <a:t> React e React Native, </a:t>
-            </a:r>
-            <a:r>
-              <a:rPr lang="en-US" sz="3500" dirty="0" err="1" smtClean="0">
-                <a:latin typeface="Quicksand" panose="00000500000000000000" pitchFamily="2" charset="0"/>
-                <a:ea typeface="Roboto" panose="02000000000000000000" pitchFamily="2" charset="0"/>
-              </a:rPr>
-              <a:t>ambas</a:t>
-            </a:r>
-            <a:r>
-              <a:rPr lang="en-US" sz="3500" dirty="0" smtClean="0">
-                <a:latin typeface="Quicksand" panose="00000500000000000000" pitchFamily="2" charset="0"/>
-                <a:ea typeface="Roboto" panose="02000000000000000000" pitchFamily="2" charset="0"/>
-              </a:rPr>
-              <a:t> </a:t>
-            </a:r>
-            <a:r>
-              <a:rPr lang="en-US" sz="3500" dirty="0" err="1" smtClean="0">
-                <a:latin typeface="Quicksand" panose="00000500000000000000" pitchFamily="2" charset="0"/>
-                <a:ea typeface="Roboto" panose="02000000000000000000" pitchFamily="2" charset="0"/>
-              </a:rPr>
-              <a:t>desenvolvidas</a:t>
-            </a:r>
-            <a:r>
-              <a:rPr lang="en-US" sz="3500" dirty="0" smtClean="0">
-                <a:latin typeface="Quicksand" panose="00000500000000000000" pitchFamily="2" charset="0"/>
-                <a:ea typeface="Roboto" panose="02000000000000000000" pitchFamily="2" charset="0"/>
-              </a:rPr>
-              <a:t> </a:t>
-            </a:r>
-            <a:r>
-              <a:rPr lang="en-US" sz="3500" dirty="0" err="1" smtClean="0">
-                <a:latin typeface="Quicksand" panose="00000500000000000000" pitchFamily="2" charset="0"/>
-                <a:ea typeface="Roboto" panose="02000000000000000000" pitchFamily="2" charset="0"/>
-              </a:rPr>
               <a:t>pelo</a:t>
             </a:r>
             <a:r>
@@ -7622,161 +7014,7 @@
                 <a:latin typeface="Quicksand" panose="00000500000000000000" pitchFamily="2" charset="0"/>
                 <a:ea typeface="Roboto" panose="02000000000000000000" pitchFamily="2" charset="0"/>
               </a:rPr>
-              <a:t> Facebook e </a:t>
-            </a:r>
-            <a:r>
-              <a:rPr lang="en-US" sz="3500" dirty="0" err="1" smtClean="0">
-                <a:latin typeface="Quicksand" panose="00000500000000000000" pitchFamily="2" charset="0"/>
-                <a:ea typeface="Roboto" panose="02000000000000000000" pitchFamily="2" charset="0"/>
-              </a:rPr>
-              <a:t>totalmente</a:t>
-            </a:r>
-            <a:r>
-              <a:rPr lang="en-US" sz="3500" dirty="0" smtClean="0">
-                <a:latin typeface="Quicksand" panose="00000500000000000000" pitchFamily="2" charset="0"/>
-                <a:ea typeface="Roboto" panose="02000000000000000000" pitchFamily="2" charset="0"/>
-              </a:rPr>
-              <a:t> </a:t>
-            </a:r>
-            <a:r>
-              <a:rPr lang="en-US" sz="3500" dirty="0" err="1" smtClean="0">
-                <a:latin typeface="Quicksand" panose="00000500000000000000" pitchFamily="2" charset="0"/>
-                <a:ea typeface="Roboto" panose="02000000000000000000" pitchFamily="2" charset="0"/>
-              </a:rPr>
-              <a:t>feitas</a:t>
-            </a:r>
-            <a:r>
-              <a:rPr lang="en-US" sz="3500" dirty="0" smtClean="0">
-                <a:latin typeface="Quicksand" panose="00000500000000000000" pitchFamily="2" charset="0"/>
-                <a:ea typeface="Roboto" panose="02000000000000000000" pitchFamily="2" charset="0"/>
-              </a:rPr>
-              <a:t> </a:t>
-            </a:r>
-            <a:r>
-              <a:rPr lang="en-US" sz="3500" dirty="0" err="1" smtClean="0">
-                <a:latin typeface="Quicksand" panose="00000500000000000000" pitchFamily="2" charset="0"/>
-                <a:ea typeface="Roboto" panose="02000000000000000000" pitchFamily="2" charset="0"/>
-              </a:rPr>
-              <a:t>em</a:t>
-            </a:r>
-            <a:r>
-              <a:rPr lang="en-US" sz="3500" dirty="0" smtClean="0">
-                <a:latin typeface="Quicksand" panose="00000500000000000000" pitchFamily="2" charset="0"/>
-                <a:ea typeface="Roboto" panose="02000000000000000000" pitchFamily="2" charset="0"/>
-              </a:rPr>
-              <a:t> </a:t>
-            </a:r>
-            <a:r>
-              <a:rPr lang="en-US" sz="3500" dirty="0" err="1" smtClean="0">
-                <a:latin typeface="Quicksand" panose="00000500000000000000" pitchFamily="2" charset="0"/>
-                <a:ea typeface="Roboto" panose="02000000000000000000" pitchFamily="2" charset="0"/>
-              </a:rPr>
-              <a:t>javascript</a:t>
-            </a:r>
-            <a:r>
-              <a:rPr lang="en-US" sz="3500" dirty="0" smtClean="0">
-                <a:latin typeface="Quicksand" panose="00000500000000000000" pitchFamily="2" charset="0"/>
-                <a:ea typeface="Roboto" panose="02000000000000000000" pitchFamily="2" charset="0"/>
-              </a:rPr>
-              <a:t>, </a:t>
-            </a:r>
-            <a:r>
-              <a:rPr lang="en-US" sz="3500" dirty="0" err="1" smtClean="0">
-                <a:latin typeface="Quicksand" panose="00000500000000000000" pitchFamily="2" charset="0"/>
-                <a:ea typeface="Roboto" panose="02000000000000000000" pitchFamily="2" charset="0"/>
-              </a:rPr>
-              <a:t>permitem</a:t>
-            </a:r>
-            <a:r>
-              <a:rPr lang="en-US" sz="3500" dirty="0" smtClean="0">
-                <a:latin typeface="Quicksand" panose="00000500000000000000" pitchFamily="2" charset="0"/>
-                <a:ea typeface="Roboto" panose="02000000000000000000" pitchFamily="2" charset="0"/>
-              </a:rPr>
-              <a:t> a </a:t>
-            </a:r>
-            <a:r>
-              <a:rPr lang="en-US" sz="3500" dirty="0" err="1" smtClean="0">
-                <a:latin typeface="Quicksand" panose="00000500000000000000" pitchFamily="2" charset="0"/>
-                <a:ea typeface="Roboto" panose="02000000000000000000" pitchFamily="2" charset="0"/>
-              </a:rPr>
-              <a:t>elaboração</a:t>
-            </a:r>
-            <a:r>
-              <a:rPr lang="en-US" sz="3500" dirty="0" smtClean="0">
-                <a:latin typeface="Quicksand" panose="00000500000000000000" pitchFamily="2" charset="0"/>
-                <a:ea typeface="Roboto" panose="02000000000000000000" pitchFamily="2" charset="0"/>
-              </a:rPr>
-              <a:t> e </a:t>
-            </a:r>
-            <a:r>
-              <a:rPr lang="en-US" sz="3500" dirty="0" err="1" smtClean="0">
-                <a:latin typeface="Quicksand" panose="00000500000000000000" pitchFamily="2" charset="0"/>
-                <a:ea typeface="Roboto" panose="02000000000000000000" pitchFamily="2" charset="0"/>
-              </a:rPr>
-              <a:t>compartilhamento</a:t>
-            </a:r>
-            <a:r>
-              <a:rPr lang="en-US" sz="3500" dirty="0" smtClean="0">
-                <a:latin typeface="Quicksand" panose="00000500000000000000" pitchFamily="2" charset="0"/>
-                <a:ea typeface="Roboto" panose="02000000000000000000" pitchFamily="2" charset="0"/>
-              </a:rPr>
-              <a:t> de </a:t>
-            </a:r>
-            <a:r>
-              <a:rPr lang="en-US" sz="3500" dirty="0" err="1" smtClean="0">
-                <a:latin typeface="Quicksand" panose="00000500000000000000" pitchFamily="2" charset="0"/>
-                <a:ea typeface="Roboto" panose="02000000000000000000" pitchFamily="2" charset="0"/>
-              </a:rPr>
-              <a:t>código</a:t>
-            </a:r>
-            <a:r>
-              <a:rPr lang="en-US" sz="3500" dirty="0" smtClean="0">
-                <a:latin typeface="Quicksand" panose="00000500000000000000" pitchFamily="2" charset="0"/>
-                <a:ea typeface="Roboto" panose="02000000000000000000" pitchFamily="2" charset="0"/>
-              </a:rPr>
-              <a:t> entre </a:t>
-            </a:r>
-            <a:r>
-              <a:rPr lang="en-US" sz="3500" dirty="0" err="1" smtClean="0">
-                <a:latin typeface="Quicksand" panose="00000500000000000000" pitchFamily="2" charset="0"/>
-                <a:ea typeface="Roboto" panose="02000000000000000000" pitchFamily="2" charset="0"/>
-              </a:rPr>
-              <a:t>projetos</a:t>
-            </a:r>
-            <a:r>
-              <a:rPr lang="en-US" sz="3500" dirty="0" smtClean="0">
-                <a:latin typeface="Quicksand" panose="00000500000000000000" pitchFamily="2" charset="0"/>
-                <a:ea typeface="Roboto" panose="02000000000000000000" pitchFamily="2" charset="0"/>
-              </a:rPr>
-              <a:t> de </a:t>
-            </a:r>
-            <a:r>
-              <a:rPr lang="en-US" sz="3500" dirty="0" err="1" smtClean="0">
-                <a:latin typeface="Quicksand" panose="00000500000000000000" pitchFamily="2" charset="0"/>
-                <a:ea typeface="Roboto" panose="02000000000000000000" pitchFamily="2" charset="0"/>
-              </a:rPr>
-              <a:t>diferentes</a:t>
-            </a:r>
-            <a:r>
-              <a:rPr lang="en-US" sz="3500" dirty="0" smtClean="0">
-                <a:latin typeface="Quicksand" panose="00000500000000000000" pitchFamily="2" charset="0"/>
-                <a:ea typeface="Roboto" panose="02000000000000000000" pitchFamily="2" charset="0"/>
-              </a:rPr>
-              <a:t> </a:t>
-            </a:r>
-            <a:r>
-              <a:rPr lang="en-US" sz="3500" dirty="0" err="1" smtClean="0">
-                <a:latin typeface="Quicksand" panose="00000500000000000000" pitchFamily="2" charset="0"/>
-                <a:ea typeface="Roboto" panose="02000000000000000000" pitchFamily="2" charset="0"/>
-              </a:rPr>
-              <a:t>ambientes</a:t>
-            </a:r>
-            <a:r>
-              <a:rPr lang="en-US" sz="3500" dirty="0" smtClean="0">
-                <a:latin typeface="Quicksand" panose="00000500000000000000" pitchFamily="2" charset="0"/>
-                <a:ea typeface="Roboto" panose="02000000000000000000" pitchFamily="2" charset="0"/>
-              </a:rPr>
-              <a:t>. </a:t>
+              <a:t> React Native.</a:t>
             </a:r>
           </a:p>
         </p:txBody>
@@ -7784,7 +7022,7 @@
     </p:spTree>
     <p:extLst>
       <p:ext uri="{BB962C8B-B14F-4D97-AF65-F5344CB8AC3E}">
-        <p14:creationId xmlns:p14="http://schemas.microsoft.com/office/powerpoint/2010/main" val="668963400"/>
+        <p14:creationId xmlns:p14="http://schemas.microsoft.com/office/powerpoint/2010/main" val="1298816022"/>
       </p:ext>
     </p:extLst>
   </p:cSld>
@@ -7828,8 +7066,8 @@
         </p:nvSpPr>
         <p:spPr>
           <a:xfrm>
-            <a:off x="198984" y="260648"/>
-            <a:ext cx="7543800" cy="914400"/>
+            <a:off x="3283268" y="260648"/>
+            <a:ext cx="2664296" cy="914400"/>
           </a:xfrm>
           <a:prstGeom prst="rect">
             <a:avLst/>
@@ -7920,43 +7158,61 @@
           </a:lstStyle>
           <a:p>
             <a:r>
-              <a:rPr lang="en-US" dirty="0" err="1" smtClean="0">
-                <a:latin typeface="Quicksand" panose="00000500000000000000" pitchFamily="2" charset="0"/>
-                <a:ea typeface="Roboto" panose="02000000000000000000" pitchFamily="2" charset="0"/>
-              </a:rPr>
-              <a:t>Quais</a:t>
-            </a:r>
-            <a:r>
-              <a:rPr lang="en-US" dirty="0" smtClean="0">
-                <a:latin typeface="Quicksand" panose="00000500000000000000" pitchFamily="2" charset="0"/>
-                <a:ea typeface="Roboto" panose="02000000000000000000" pitchFamily="2" charset="0"/>
-              </a:rPr>
-              <a:t> sub-</a:t>
-            </a:r>
-            <a:r>
-              <a:rPr lang="en-US" dirty="0" err="1" smtClean="0">
-                <a:latin typeface="Quicksand" panose="00000500000000000000" pitchFamily="2" charset="0"/>
-                <a:ea typeface="Roboto" panose="02000000000000000000" pitchFamily="2" charset="0"/>
-              </a:rPr>
-              <a:t>tecnologias</a:t>
-            </a:r>
-            <a:r>
-              <a:rPr lang="en-US" dirty="0" smtClean="0">
-                <a:latin typeface="Quicksand" panose="00000500000000000000" pitchFamily="2" charset="0"/>
-                <a:ea typeface="Roboto" panose="02000000000000000000" pitchFamily="2" charset="0"/>
-              </a:rPr>
-              <a:t>?</a:t>
-            </a:r>
-            <a:endParaRPr lang="pt-BR" dirty="0">
+              <a:rPr lang="en-US" sz="6000" dirty="0" err="1" smtClean="0">
+                <a:latin typeface="Quicksand" panose="00000500000000000000" pitchFamily="2" charset="0"/>
+              </a:rPr>
+              <a:t>Marviz</a:t>
+            </a:r>
+            <a:endParaRPr lang="pt-BR" sz="6000" dirty="0">
               <a:latin typeface="Quicksand" panose="00000500000000000000" pitchFamily="2" charset="0"/>
-              <a:ea typeface="Roboto" panose="02000000000000000000" pitchFamily="2" charset="0"/>
             </a:endParaRPr>
           </a:p>
         </p:txBody>
       </p:sp>
-      <p:sp>
-        <p:nvSpPr>
-          <p:cNvPr id="5" name="Título 2"/>
+      <p:pic>
+        <p:nvPicPr>
+          <p:cNvPr id="2050" name="Picture 2" descr="C:\Users\Leonardo\Documents\Alfa\projetoFinal\Marviz\assets\icon.orig.png"/>
+          <p:cNvPicPr>
+            <a:picLocks noChangeAspect="1" noChangeArrowheads="1"/>
+          </p:cNvPicPr>
+          <p:nvPr/>
+        </p:nvPicPr>
+        <p:blipFill>
+          <a:blip r:embed="rId2">
+            <a:extLst>
+              <a:ext uri="{28A0092B-C50C-407E-A947-70E740481C1C}">
+                <a14:useLocalDpi xmlns:a14="http://schemas.microsoft.com/office/drawing/2010/main" val="0"/>
+              </a:ext>
+            </a:extLst>
+          </a:blip>
+          <a:srcRect/>
+          <a:stretch>
+            <a:fillRect/>
+          </a:stretch>
+        </p:blipFill>
+        <p:spPr bwMode="auto">
+          <a:xfrm>
+            <a:off x="3929616" y="1175048"/>
+            <a:ext cx="1371600" cy="1371600"/>
+          </a:xfrm>
+          <a:prstGeom prst="rect">
+            <a:avLst/>
+          </a:prstGeom>
+          <a:noFill/>
+          <a:extLst>
+            <a:ext uri="{909E8E84-426E-40DD-AFC4-6F175D3DCCD1}">
+              <a14:hiddenFill xmlns:a14="http://schemas.microsoft.com/office/drawing/2010/main">
+                <a:solidFill>
+                  <a:srgbClr val="FFFFFF"/>
+                </a:solidFill>
+              </a14:hiddenFill>
+            </a:ext>
+          </a:extLst>
+        </p:spPr>
+      </p:pic>
+      <p:sp>
+        <p:nvSpPr>
+          <p:cNvPr id="7" name="Título 2"/>
           <p:cNvSpPr txBox="1">
             <a:spLocks/>
           </p:cNvSpPr>
@@ -7964,8 +7220,8 @@
         </p:nvSpPr>
         <p:spPr>
           <a:xfrm>
-            <a:off x="467544" y="1337368"/>
-            <a:ext cx="8208912" cy="3819824"/>
+            <a:off x="481256" y="2708920"/>
+            <a:ext cx="8268320" cy="3096344"/>
           </a:xfrm>
           <a:prstGeom prst="rect">
             <a:avLst/>
@@ -8057,243 +7313,291 @@
           <a:p>
             <a:pPr algn="just"/>
             <a:r>
-              <a:rPr lang="en-US" sz="3500" dirty="0" smtClean="0">
-                <a:latin typeface="Quicksand" panose="00000500000000000000" pitchFamily="2" charset="0"/>
-                <a:ea typeface="Roboto" panose="02000000000000000000" pitchFamily="2" charset="0"/>
-              </a:rPr>
-              <a:t>Para </a:t>
-            </a:r>
-            <a:r>
-              <a:rPr lang="en-US" sz="3500" dirty="0" err="1" smtClean="0">
-                <a:latin typeface="Quicksand" panose="00000500000000000000" pitchFamily="2" charset="0"/>
-                <a:ea typeface="Roboto" panose="02000000000000000000" pitchFamily="2" charset="0"/>
-              </a:rPr>
-              <a:t>fazer</a:t>
-            </a:r>
-            <a:r>
-              <a:rPr lang="en-US" sz="3500" dirty="0" smtClean="0">
-                <a:latin typeface="Quicksand" panose="00000500000000000000" pitchFamily="2" charset="0"/>
-                <a:ea typeface="Roboto" panose="02000000000000000000" pitchFamily="2" charset="0"/>
+              <a:rPr lang="en-US" sz="3500" dirty="0" err="1" smtClean="0">
+                <a:latin typeface="Quicksand" panose="00000500000000000000" pitchFamily="2" charset="0"/>
+              </a:rPr>
+              <a:t>Aplicativo</a:t>
+            </a:r>
+            <a:r>
+              <a:rPr lang="en-US" sz="3500" dirty="0" smtClean="0">
+                <a:latin typeface="Quicksand" panose="00000500000000000000" pitchFamily="2" charset="0"/>
+              </a:rPr>
+              <a:t> </a:t>
+            </a:r>
+            <a:r>
+              <a:rPr lang="en-US" sz="3500" dirty="0" err="1" smtClean="0">
+                <a:latin typeface="Quicksand" panose="00000500000000000000" pitchFamily="2" charset="0"/>
+              </a:rPr>
+              <a:t>híbrido</a:t>
+            </a:r>
+            <a:r>
+              <a:rPr lang="en-US" sz="3500" dirty="0" smtClean="0">
+                <a:latin typeface="Quicksand" panose="00000500000000000000" pitchFamily="2" charset="0"/>
+              </a:rPr>
+              <a:t> (web e mobile) </a:t>
+            </a:r>
+            <a:r>
+              <a:rPr lang="en-US" sz="3500" dirty="0" err="1" smtClean="0">
+                <a:latin typeface="Quicksand" panose="00000500000000000000" pitchFamily="2" charset="0"/>
+              </a:rPr>
+              <a:t>que</a:t>
+            </a:r>
+            <a:r>
+              <a:rPr lang="en-US" sz="3500" dirty="0" smtClean="0">
+                <a:latin typeface="Quicksand" panose="00000500000000000000" pitchFamily="2" charset="0"/>
+              </a:rPr>
+              <a:t> </a:t>
+            </a:r>
+            <a:r>
+              <a:rPr lang="en-US" sz="3500" dirty="0" err="1" smtClean="0">
+                <a:latin typeface="Quicksand" panose="00000500000000000000" pitchFamily="2" charset="0"/>
+              </a:rPr>
+              <a:t>utiliza</a:t>
+            </a:r>
+            <a:r>
+              <a:rPr lang="en-US" sz="3500" dirty="0" smtClean="0">
+                <a:latin typeface="Quicksand" panose="00000500000000000000" pitchFamily="2" charset="0"/>
               </a:rPr>
               <a:t> a </a:t>
             </a:r>
             <a:r>
               <a:rPr lang="en-US" sz="3500" dirty="0" err="1" smtClean="0">
                 <a:latin typeface="Quicksand" panose="00000500000000000000" pitchFamily="2" charset="0"/>
-                <a:ea typeface="Roboto" panose="02000000000000000000" pitchFamily="2" charset="0"/>
-              </a:rPr>
-              <a:t>conversão</a:t>
-            </a:r>
-            <a:r>
-              <a:rPr lang="en-US" sz="3500" dirty="0" smtClean="0">
-                <a:latin typeface="Quicksand" panose="00000500000000000000" pitchFamily="2" charset="0"/>
-                <a:ea typeface="Roboto" panose="02000000000000000000" pitchFamily="2" charset="0"/>
-              </a:rPr>
-              <a:t> do </a:t>
-            </a:r>
-            <a:r>
-              <a:rPr lang="en-US" sz="3500" dirty="0" err="1" smtClean="0">
-                <a:latin typeface="Quicksand" panose="00000500000000000000" pitchFamily="2" charset="0"/>
-                <a:ea typeface="Roboto" panose="02000000000000000000" pitchFamily="2" charset="0"/>
-              </a:rPr>
-              <a:t>código</a:t>
-            </a:r>
-            <a:r>
-              <a:rPr lang="en-US" sz="3500" dirty="0" smtClean="0">
-                <a:latin typeface="Quicksand" panose="00000500000000000000" pitchFamily="2" charset="0"/>
-                <a:ea typeface="Roboto" panose="02000000000000000000" pitchFamily="2" charset="0"/>
-              </a:rPr>
-              <a:t> mobile </a:t>
-            </a:r>
-            <a:r>
-              <a:rPr lang="en-US" sz="3500" dirty="0" err="1" smtClean="0">
-                <a:latin typeface="Quicksand" panose="00000500000000000000" pitchFamily="2" charset="0"/>
-                <a:ea typeface="Roboto" panose="02000000000000000000" pitchFamily="2" charset="0"/>
+              </a:rPr>
+              <a:t>api</a:t>
+            </a:r>
+            <a:r>
+              <a:rPr lang="en-US" sz="3500" dirty="0" smtClean="0">
+                <a:latin typeface="Quicksand" panose="00000500000000000000" pitchFamily="2" charset="0"/>
+              </a:rPr>
+              <a:t> </a:t>
+            </a:r>
+            <a:r>
+              <a:rPr lang="en-US" sz="3500" dirty="0" err="1" smtClean="0">
+                <a:latin typeface="Quicksand" panose="00000500000000000000" pitchFamily="2" charset="0"/>
+              </a:rPr>
+              <a:t>pública</a:t>
+            </a:r>
+            <a:r>
+              <a:rPr lang="en-US" sz="3500" dirty="0" smtClean="0">
+                <a:latin typeface="Quicksand" panose="00000500000000000000" pitchFamily="2" charset="0"/>
+              </a:rPr>
+              <a:t> </a:t>
+            </a:r>
+            <a:r>
+              <a:rPr lang="en-US" sz="3500" dirty="0" err="1" smtClean="0">
+                <a:latin typeface="Quicksand" panose="00000500000000000000" pitchFamily="2" charset="0"/>
+              </a:rPr>
+              <a:t>disponibilizada</a:t>
+            </a:r>
+            <a:r>
+              <a:rPr lang="en-US" sz="3500" dirty="0" smtClean="0">
+                <a:latin typeface="Quicksand" panose="00000500000000000000" pitchFamily="2" charset="0"/>
+              </a:rPr>
+              <a:t> </a:t>
+            </a:r>
+            <a:r>
+              <a:rPr lang="en-US" sz="3500" dirty="0" err="1" smtClean="0">
+                <a:latin typeface="Quicksand" panose="00000500000000000000" pitchFamily="2" charset="0"/>
+              </a:rPr>
+              <a:t>pela</a:t>
+            </a:r>
+            <a:r>
+              <a:rPr lang="en-US" sz="3500" dirty="0" smtClean="0">
+                <a:latin typeface="Quicksand" panose="00000500000000000000" pitchFamily="2" charset="0"/>
+              </a:rPr>
+              <a:t> Marvel, </a:t>
+            </a:r>
+            <a:r>
+              <a:rPr lang="en-US" sz="3500" dirty="0" err="1" smtClean="0">
+                <a:latin typeface="Quicksand" panose="00000500000000000000" pitchFamily="2" charset="0"/>
               </a:rPr>
               <a:t>para</a:t>
             </a:r>
             <a:r>
               <a:rPr lang="en-US" sz="3500" dirty="0" smtClean="0">
                 <a:latin typeface="Quicksand" panose="00000500000000000000" pitchFamily="2" charset="0"/>
-                <a:ea typeface="Roboto" panose="02000000000000000000" pitchFamily="2" charset="0"/>
+              </a:rPr>
+              <a:t> </a:t>
+            </a:r>
+            <a:r>
+              <a:rPr lang="en-US" sz="3500" dirty="0" err="1" smtClean="0">
+                <a:latin typeface="Quicksand" panose="00000500000000000000" pitchFamily="2" charset="0"/>
+              </a:rPr>
+              <a:t>explorar</a:t>
+            </a:r>
+            <a:r>
+              <a:rPr lang="en-US" sz="3500" dirty="0" smtClean="0">
+                <a:latin typeface="Quicksand" panose="00000500000000000000" pitchFamily="2" charset="0"/>
+              </a:rPr>
+              <a:t> </a:t>
+            </a:r>
+            <a:r>
+              <a:rPr lang="en-US" sz="3500" dirty="0" err="1" smtClean="0">
+                <a:latin typeface="Quicksand" panose="00000500000000000000" pitchFamily="2" charset="0"/>
+              </a:rPr>
+              <a:t>todo</a:t>
+            </a:r>
+            <a:r>
+              <a:rPr lang="en-US" sz="3500" dirty="0" smtClean="0">
+                <a:latin typeface="Quicksand" panose="00000500000000000000" pitchFamily="2" charset="0"/>
               </a:rPr>
               <a:t> o </a:t>
             </a:r>
             <a:r>
               <a:rPr lang="en-US" sz="3500" dirty="0" err="1" smtClean="0">
                 <a:latin typeface="Quicksand" panose="00000500000000000000" pitchFamily="2" charset="0"/>
-                <a:ea typeface="Roboto" panose="02000000000000000000" pitchFamily="2" charset="0"/>
-              </a:rPr>
-              <a:t>código</a:t>
-            </a:r>
-            <a:r>
-              <a:rPr lang="en-US" sz="3500" dirty="0" smtClean="0">
-                <a:latin typeface="Quicksand" panose="00000500000000000000" pitchFamily="2" charset="0"/>
-                <a:ea typeface="Roboto" panose="02000000000000000000" pitchFamily="2" charset="0"/>
-              </a:rPr>
-              <a:t> web, </a:t>
-            </a:r>
-            <a:r>
-              <a:rPr lang="en-US" sz="3500" dirty="0" err="1" smtClean="0">
-                <a:latin typeface="Quicksand" panose="00000500000000000000" pitchFamily="2" charset="0"/>
-                <a:ea typeface="Roboto" panose="02000000000000000000" pitchFamily="2" charset="0"/>
-              </a:rPr>
-              <a:t>foi</a:t>
-            </a:r>
-            <a:r>
-              <a:rPr lang="en-US" sz="3500" dirty="0" smtClean="0">
-                <a:latin typeface="Quicksand" panose="00000500000000000000" pitchFamily="2" charset="0"/>
-                <a:ea typeface="Roboto" panose="02000000000000000000" pitchFamily="2" charset="0"/>
-              </a:rPr>
-              <a:t>-se </a:t>
-            </a:r>
-            <a:r>
-              <a:rPr lang="en-US" sz="3500" dirty="0" err="1" smtClean="0">
-                <a:latin typeface="Quicksand" panose="00000500000000000000" pitchFamily="2" charset="0"/>
-                <a:ea typeface="Roboto" panose="02000000000000000000" pitchFamily="2" charset="0"/>
-              </a:rPr>
-              <a:t>utilizado</a:t>
-            </a:r>
-            <a:r>
-              <a:rPr lang="en-US" sz="3500" dirty="0" smtClean="0">
-                <a:latin typeface="Quicksand" panose="00000500000000000000" pitchFamily="2" charset="0"/>
-                <a:ea typeface="Roboto" panose="02000000000000000000" pitchFamily="2" charset="0"/>
-              </a:rPr>
-              <a:t> a </a:t>
-            </a:r>
-            <a:r>
-              <a:rPr lang="en-US" sz="3500" dirty="0" err="1" smtClean="0">
-                <a:latin typeface="Quicksand" panose="00000500000000000000" pitchFamily="2" charset="0"/>
-                <a:ea typeface="Roboto" panose="02000000000000000000" pitchFamily="2" charset="0"/>
-              </a:rPr>
-              <a:t>biblioteca</a:t>
-            </a:r>
-            <a:r>
-              <a:rPr lang="en-US" sz="3500" dirty="0" smtClean="0">
-                <a:latin typeface="Quicksand" panose="00000500000000000000" pitchFamily="2" charset="0"/>
-                <a:ea typeface="Roboto" panose="02000000000000000000" pitchFamily="2" charset="0"/>
-              </a:rPr>
-              <a:t> react-native-web </a:t>
-            </a:r>
-            <a:r>
-              <a:rPr lang="en-US" sz="3500" dirty="0" err="1" smtClean="0">
-                <a:latin typeface="Quicksand" panose="00000500000000000000" pitchFamily="2" charset="0"/>
-                <a:ea typeface="Roboto" panose="02000000000000000000" pitchFamily="2" charset="0"/>
+              </a:rPr>
+              <a:t>seu</a:t>
+            </a:r>
+            <a:r>
+              <a:rPr lang="en-US" sz="3500" dirty="0" smtClean="0">
+                <a:latin typeface="Quicksand" panose="00000500000000000000" pitchFamily="2" charset="0"/>
+              </a:rPr>
+              <a:t> </a:t>
+            </a:r>
+            <a:r>
+              <a:rPr lang="en-US" sz="3500" dirty="0" err="1" smtClean="0">
+                <a:latin typeface="Quicksand" panose="00000500000000000000" pitchFamily="2" charset="0"/>
+              </a:rPr>
+              <a:t>universo</a:t>
+            </a:r>
+            <a:r>
+              <a:rPr lang="en-US" sz="3500" dirty="0" smtClean="0">
+                <a:latin typeface="Quicksand" panose="00000500000000000000" pitchFamily="2" charset="0"/>
+              </a:rPr>
+              <a:t>, </a:t>
+            </a:r>
+            <a:r>
+              <a:rPr lang="en-US" sz="3500" dirty="0" err="1" smtClean="0">
+                <a:latin typeface="Quicksand" panose="00000500000000000000" pitchFamily="2" charset="0"/>
+              </a:rPr>
+              <a:t>listando</a:t>
+            </a:r>
+            <a:r>
+              <a:rPr lang="en-US" sz="3500" dirty="0" smtClean="0">
+                <a:latin typeface="Quicksand" panose="00000500000000000000" pitchFamily="2" charset="0"/>
+              </a:rPr>
+              <a:t> HQs, </a:t>
+            </a:r>
+            <a:r>
+              <a:rPr lang="en-US" sz="3500" dirty="0" err="1" smtClean="0">
+                <a:latin typeface="Quicksand" panose="00000500000000000000" pitchFamily="2" charset="0"/>
+              </a:rPr>
+              <a:t>Personagens</a:t>
+            </a:r>
+            <a:r>
+              <a:rPr lang="en-US" sz="3500" dirty="0" smtClean="0">
+                <a:latin typeface="Quicksand" panose="00000500000000000000" pitchFamily="2" charset="0"/>
+              </a:rPr>
+              <a:t> e </a:t>
+            </a:r>
+            <a:r>
+              <a:rPr lang="en-US" sz="3500" dirty="0" err="1" smtClean="0">
+                <a:latin typeface="Quicksand" panose="00000500000000000000" pitchFamily="2" charset="0"/>
+              </a:rPr>
+              <a:t>Autores</a:t>
+            </a:r>
+            <a:r>
+              <a:rPr lang="en-US" sz="3500" dirty="0" smtClean="0">
+                <a:latin typeface="Quicksand" panose="00000500000000000000" pitchFamily="2" charset="0"/>
+              </a:rPr>
+              <a:t>, </a:t>
+            </a:r>
+            <a:r>
+              <a:rPr lang="en-US" sz="3500" dirty="0" err="1" smtClean="0">
+                <a:latin typeface="Quicksand" panose="00000500000000000000" pitchFamily="2" charset="0"/>
+              </a:rPr>
+              <a:t>permitindo</a:t>
+            </a:r>
+            <a:r>
+              <a:rPr lang="en-US" sz="3500" dirty="0" smtClean="0">
+                <a:latin typeface="Quicksand" panose="00000500000000000000" pitchFamily="2" charset="0"/>
+              </a:rPr>
+              <a:t> </a:t>
+            </a:r>
+            <a:r>
+              <a:rPr lang="en-US" sz="3500" dirty="0" err="1" smtClean="0">
+                <a:latin typeface="Quicksand" panose="00000500000000000000" pitchFamily="2" charset="0"/>
               </a:rPr>
               <a:t>que</a:t>
             </a:r>
             <a:r>
               <a:rPr lang="en-US" sz="3500" dirty="0" smtClean="0">
                 <a:latin typeface="Quicksand" panose="00000500000000000000" pitchFamily="2" charset="0"/>
-                <a:ea typeface="Roboto" panose="02000000000000000000" pitchFamily="2" charset="0"/>
               </a:rPr>
               <a:t> </a:t>
             </a:r>
             <a:r>
               <a:rPr lang="en-US" sz="3500" dirty="0" err="1" smtClean="0">
                 <a:latin typeface="Quicksand" panose="00000500000000000000" pitchFamily="2" charset="0"/>
-                <a:ea typeface="Roboto" panose="02000000000000000000" pitchFamily="2" charset="0"/>
-              </a:rPr>
-              <a:t>converte</a:t>
-            </a:r>
-            <a:r>
-              <a:rPr lang="en-US" sz="3500" dirty="0" smtClean="0">
-                <a:latin typeface="Quicksand" panose="00000500000000000000" pitchFamily="2" charset="0"/>
-                <a:ea typeface="Roboto" panose="02000000000000000000" pitchFamily="2" charset="0"/>
-              </a:rPr>
-              <a:t> e </a:t>
-            </a:r>
-            <a:r>
-              <a:rPr lang="en-US" sz="3500" dirty="0" err="1" smtClean="0">
-                <a:latin typeface="Quicksand" panose="00000500000000000000" pitchFamily="2" charset="0"/>
-                <a:ea typeface="Roboto" panose="02000000000000000000" pitchFamily="2" charset="0"/>
-              </a:rPr>
-              <a:t>possibilita</a:t>
-            </a:r>
-            <a:r>
-              <a:rPr lang="en-US" sz="3500" dirty="0" smtClean="0">
-                <a:latin typeface="Quicksand" panose="00000500000000000000" pitchFamily="2" charset="0"/>
-                <a:ea typeface="Roboto" panose="02000000000000000000" pitchFamily="2" charset="0"/>
-              </a:rPr>
-              <a:t> o </a:t>
-            </a:r>
-            <a:r>
-              <a:rPr lang="en-US" sz="3500" dirty="0" err="1" smtClean="0">
-                <a:latin typeface="Quicksand" panose="00000500000000000000" pitchFamily="2" charset="0"/>
-                <a:ea typeface="Roboto" panose="02000000000000000000" pitchFamily="2" charset="0"/>
-              </a:rPr>
-              <a:t>navegador</a:t>
-            </a:r>
-            <a:r>
-              <a:rPr lang="en-US" sz="3500" dirty="0" smtClean="0">
-                <a:latin typeface="Quicksand" panose="00000500000000000000" pitchFamily="2" charset="0"/>
-                <a:ea typeface="Roboto" panose="02000000000000000000" pitchFamily="2" charset="0"/>
+              </a:rPr>
+              <a:t>você</a:t>
+            </a:r>
+            <a:r>
+              <a:rPr lang="en-US" sz="3500" dirty="0" smtClean="0">
+                <a:latin typeface="Quicksand" panose="00000500000000000000" pitchFamily="2" charset="0"/>
               </a:rPr>
               <a:t> </a:t>
             </a:r>
             <a:r>
               <a:rPr lang="en-US" sz="3500" dirty="0" err="1" smtClean="0">
                 <a:latin typeface="Quicksand" panose="00000500000000000000" pitchFamily="2" charset="0"/>
-                <a:ea typeface="Roboto" panose="02000000000000000000" pitchFamily="2" charset="0"/>
-              </a:rPr>
-              <a:t>entender</a:t>
-            </a:r>
-            <a:r>
-              <a:rPr lang="en-US" sz="3500" dirty="0" smtClean="0">
-                <a:latin typeface="Quicksand" panose="00000500000000000000" pitchFamily="2" charset="0"/>
-                <a:ea typeface="Roboto" panose="02000000000000000000" pitchFamily="2" charset="0"/>
-              </a:rPr>
-              <a:t> o </a:t>
-            </a:r>
-            <a:r>
-              <a:rPr lang="en-US" sz="3500" dirty="0" err="1" smtClean="0">
-                <a:latin typeface="Quicksand" panose="00000500000000000000" pitchFamily="2" charset="0"/>
-                <a:ea typeface="Roboto" panose="02000000000000000000" pitchFamily="2" charset="0"/>
-              </a:rPr>
-              <a:t>código</a:t>
-            </a:r>
-            <a:r>
-              <a:rPr lang="en-US" sz="3500" dirty="0" smtClean="0">
-                <a:latin typeface="Quicksand" panose="00000500000000000000" pitchFamily="2" charset="0"/>
-                <a:ea typeface="Roboto" panose="02000000000000000000" pitchFamily="2" charset="0"/>
-              </a:rPr>
-              <a:t> mobile </a:t>
-            </a:r>
-            <a:r>
-              <a:rPr lang="en-US" sz="3500" dirty="0" err="1" smtClean="0">
-                <a:latin typeface="Quicksand" panose="00000500000000000000" pitchFamily="2" charset="0"/>
-                <a:ea typeface="Roboto" panose="02000000000000000000" pitchFamily="2" charset="0"/>
-              </a:rPr>
-              <a:t>gerado</a:t>
-            </a:r>
-            <a:r>
-              <a:rPr lang="en-US" sz="3500" dirty="0" smtClean="0">
-                <a:latin typeface="Quicksand" panose="00000500000000000000" pitchFamily="2" charset="0"/>
-                <a:ea typeface="Roboto" panose="02000000000000000000" pitchFamily="2" charset="0"/>
+              </a:rPr>
+              <a:t>interaja</a:t>
+            </a:r>
+            <a:r>
+              <a:rPr lang="en-US" sz="3500" dirty="0" smtClean="0">
+                <a:latin typeface="Quicksand" panose="00000500000000000000" pitchFamily="2" charset="0"/>
+              </a:rPr>
+              <a:t> com </a:t>
+            </a:r>
+            <a:r>
+              <a:rPr lang="en-US" sz="3500" dirty="0" err="1" smtClean="0">
+                <a:latin typeface="Quicksand" panose="00000500000000000000" pitchFamily="2" charset="0"/>
+              </a:rPr>
+              <a:t>algumas</a:t>
+            </a:r>
+            <a:r>
+              <a:rPr lang="en-US" sz="3500" dirty="0" smtClean="0">
+                <a:latin typeface="Quicksand" panose="00000500000000000000" pitchFamily="2" charset="0"/>
               </a:rPr>
               <a:t> </a:t>
             </a:r>
             <a:r>
               <a:rPr lang="en-US" sz="3500" dirty="0" err="1" smtClean="0">
                 <a:latin typeface="Quicksand" panose="00000500000000000000" pitchFamily="2" charset="0"/>
-                <a:ea typeface="Roboto" panose="02000000000000000000" pitchFamily="2" charset="0"/>
-              </a:rPr>
-              <a:t>pelo</a:t>
-            </a:r>
-            <a:r>
-              <a:rPr lang="en-US" sz="3500" dirty="0" smtClean="0">
-                <a:latin typeface="Quicksand" panose="00000500000000000000" pitchFamily="2" charset="0"/>
-                <a:ea typeface="Roboto" panose="02000000000000000000" pitchFamily="2" charset="0"/>
-              </a:rPr>
-              <a:t> React Native.</a:t>
-            </a:r>
+              </a:rPr>
+              <a:t>dessas</a:t>
+            </a:r>
+            <a:r>
+              <a:rPr lang="en-US" sz="3500" dirty="0" smtClean="0">
+                <a:latin typeface="Quicksand" panose="00000500000000000000" pitchFamily="2" charset="0"/>
+              </a:rPr>
+              <a:t> </a:t>
+            </a:r>
+            <a:r>
+              <a:rPr lang="en-US" sz="3500" dirty="0" err="1" smtClean="0">
+                <a:latin typeface="Quicksand" panose="00000500000000000000" pitchFamily="2" charset="0"/>
+              </a:rPr>
+              <a:t>informações</a:t>
+            </a:r>
+            <a:r>
+              <a:rPr lang="en-US" sz="3500" dirty="0" smtClean="0">
+                <a:latin typeface="Quicksand" panose="00000500000000000000" pitchFamily="2" charset="0"/>
+              </a:rPr>
+              <a:t> e favorite-as.</a:t>
+            </a:r>
+            <a:endParaRPr lang="pt-BR" sz="3500" dirty="0">
+              <a:latin typeface="Quicksand" panose="00000500000000000000" pitchFamily="2" charset="0"/>
+            </a:endParaRPr>
           </a:p>
         </p:txBody>
       </p:sp>
     </p:spTree>
     <p:extLst>
       <p:ext uri="{BB962C8B-B14F-4D97-AF65-F5344CB8AC3E}">
-        <p14:creationId xmlns:p14="http://schemas.microsoft.com/office/powerpoint/2010/main" val="1298816022"/>
+        <p14:creationId xmlns:p14="http://schemas.microsoft.com/office/powerpoint/2010/main" val="2040657063"/>
       </p:ext>
     </p:extLst>
   </p:cSld>
@@ -8337,8 +7641,8 @@
         </p:nvSpPr>
         <p:spPr>
           <a:xfrm>
-            <a:off x="3283268" y="260648"/>
-            <a:ext cx="2664296" cy="914400"/>
+            <a:off x="1835696" y="260648"/>
+            <a:ext cx="5904656" cy="914400"/>
           </a:xfrm>
           <a:prstGeom prst="rect">
             <a:avLst/>
@@ -8434,6 +7738,12 @@
               </a:rPr>
               <a:t>Marviz</a:t>
             </a:r>
+            <a:r>
+              <a:rPr lang="en-US" sz="6000" dirty="0" smtClean="0">
+                <a:latin typeface="Quicksand" panose="00000500000000000000" pitchFamily="2" charset="0"/>
+              </a:rPr>
+              <a:t> - Mobile</a:t>
+            </a:r>
             <a:endParaRPr lang="pt-BR" sz="6000" dirty="0">
               <a:latin typeface="Quicksand" panose="00000500000000000000" pitchFamily="2" charset="0"/>
             </a:endParaRPr>
@@ -8449,7 +7759,7 @@
           <p:nvPr/>
         </p:nvPicPr>
         <p:blipFill>
-          <a:blip r:embed="rId2">
+          <a:blip r:embed="rId2" cstate="print">
             <a:extLst>
               <a:ext uri="{28A0092B-C50C-407E-A947-70E740481C1C}">
                 <a14:useLocalDpi xmlns:a14="http://schemas.microsoft.com/office/drawing/2010/main" val="0"/>
@@ -8463,8 +7773,8 @@
         </p:blipFill>
         <p:spPr bwMode="auto">
           <a:xfrm>
-            <a:off x="3929616" y="1175048"/>
-            <a:ext cx="1371600" cy="1371600"/>
+            <a:off x="1106480" y="425248"/>
+            <a:ext cx="585200" cy="585200"/>
           </a:xfrm>
           <a:prstGeom prst="rect">
             <a:avLst/>
@@ -8583,292 +7893,57 @@
           </a:lstStyle>
           <a:p>
             <a:pPr algn="just"/>
-            <a:r>
-              <a:rPr lang="en-US" sz="3500" dirty="0" err="1" smtClean="0">
-                <a:latin typeface="Quicksand" panose="00000500000000000000" pitchFamily="2" charset="0"/>
-              </a:rPr>
-              <a:t>Aplicativo</a:t>
-            </a:r>
-            <a:r>
-              <a:rPr lang="en-US" sz="3500" dirty="0" smtClean="0">
-                <a:latin typeface="Quicksand" panose="00000500000000000000" pitchFamily="2" charset="0"/>
-              </a:rPr>
-              <a:t> </a:t>
-            </a:r>
-            <a:r>
-              <a:rPr lang="en-US" sz="3500" dirty="0" err="1" smtClean="0">
-                <a:latin typeface="Quicksand" panose="00000500000000000000" pitchFamily="2" charset="0"/>
-              </a:rPr>
-              <a:t>híbrido</a:t>
-            </a:r>
-            <a:r>
-              <a:rPr lang="en-US" sz="3500" dirty="0" smtClean="0">
-                <a:latin typeface="Quicksand" panose="00000500000000000000" pitchFamily="2" charset="0"/>
-              </a:rPr>
-              <a:t> (web e mobile) </a:t>
-            </a:r>
-            <a:r>
-              <a:rPr lang="en-US" sz="3500" dirty="0" err="1" smtClean="0">
-                <a:latin typeface="Quicksand" panose="00000500000000000000" pitchFamily="2" charset="0"/>
-              </a:rPr>
-              <a:t>que</a:t>
-            </a:r>
-            <a:r>
-              <a:rPr lang="en-US" sz="3500" dirty="0" smtClean="0">
-                <a:latin typeface="Quicksand" panose="00000500000000000000" pitchFamily="2" charset="0"/>
-              </a:rPr>
-              <a:t> </a:t>
-            </a:r>
-            <a:r>
-              <a:rPr lang="en-US" sz="3500" dirty="0" err="1" smtClean="0">
-                <a:latin typeface="Quicksand" panose="00000500000000000000" pitchFamily="2" charset="0"/>
-              </a:rPr>
-              <a:t>utiliza</a:t>
-            </a:r>
-            <a:r>
-              <a:rPr lang="en-US" sz="3500" dirty="0" smtClean="0">
-                <a:latin typeface="Quicksand" panose="00000500000000000000" pitchFamily="2" charset="0"/>
-              </a:rPr>
-              <a:t> a </a:t>
-            </a:r>
-            <a:r>
-              <a:rPr lang="en-US" sz="3500" dirty="0" err="1" smtClean="0">
-                <a:latin typeface="Quicksand" panose="00000500000000000000" pitchFamily="2" charset="0"/>
-              </a:rPr>
-              <a:t>api</a:t>
-            </a:r>
-            <a:r>
-              <a:rPr lang="en-US" sz="3500" dirty="0" smtClean="0">
-                <a:latin typeface="Quicksand" panose="00000500000000000000" pitchFamily="2" charset="0"/>
-              </a:rPr>
-              <a:t> </a:t>
-            </a:r>
-            <a:r>
-              <a:rPr lang="en-US" sz="3500" dirty="0" err="1" smtClean="0">
-                <a:latin typeface="Quicksand" panose="00000500000000000000" pitchFamily="2" charset="0"/>
-              </a:rPr>
-              <a:t>pública</a:t>
-            </a:r>
-            <a:r>
-              <a:rPr lang="en-US" sz="3500" dirty="0" smtClean="0">
-                <a:latin typeface="Quicksand" panose="00000500000000000000" pitchFamily="2" charset="0"/>
-              </a:rPr>
-              <a:t> </a:t>
-            </a:r>
-            <a:r>
-              <a:rPr lang="en-US" sz="3500" dirty="0" err="1" smtClean="0">
-                <a:latin typeface="Quicksand" panose="00000500000000000000" pitchFamily="2" charset="0"/>
-              </a:rPr>
-              <a:t>disponibilizada</a:t>
-            </a:r>
-            <a:r>
-              <a:rPr lang="en-US" sz="3500" dirty="0" smtClean="0">
-                <a:latin typeface="Quicksand" panose="00000500000000000000" pitchFamily="2" charset="0"/>
-              </a:rPr>
-              <a:t> </a:t>
-            </a:r>
-            <a:r>
-              <a:rPr lang="en-US" sz="3500" dirty="0" err="1" smtClean="0">
-                <a:latin typeface="Quicksand" panose="00000500000000000000" pitchFamily="2" charset="0"/>
-              </a:rPr>
-              <a:t>pela</a:t>
-            </a:r>
-            <a:r>
-              <a:rPr lang="en-US" sz="3500" dirty="0" smtClean="0">
-                <a:latin typeface="Quicksand" panose="00000500000000000000" pitchFamily="2" charset="0"/>
-              </a:rPr>
-              <a:t> Marvel, </a:t>
-            </a:r>
-            <a:r>
-              <a:rPr lang="en-US" sz="3500" dirty="0" err="1" smtClean="0">
-                <a:latin typeface="Quicksand" panose="00000500000000000000" pitchFamily="2" charset="0"/>
-              </a:rPr>
-              <a:t>para</a:t>
-            </a:r>
-            <a:r>
-              <a:rPr lang="en-US" sz="3500" dirty="0" smtClean="0">
-                <a:latin typeface="Quicksand" panose="00000500000000000000" pitchFamily="2" charset="0"/>
-              </a:rPr>
-              <a:t> </a:t>
-            </a:r>
-            <a:r>
-              <a:rPr lang="en-US" sz="3500" dirty="0" err="1" smtClean="0">
-                <a:latin typeface="Quicksand" panose="00000500000000000000" pitchFamily="2" charset="0"/>
-              </a:rPr>
-              <a:t>explorar</a:t>
-            </a:r>
-            <a:r>
-              <a:rPr lang="en-US" sz="3500" dirty="0" smtClean="0">
-                <a:latin typeface="Quicksand" panose="00000500000000000000" pitchFamily="2" charset="0"/>
-              </a:rPr>
-              <a:t> </a:t>
-            </a:r>
-            <a:r>
-              <a:rPr lang="en-US" sz="3500" dirty="0" err="1" smtClean="0">
-                <a:latin typeface="Quicksand" panose="00000500000000000000" pitchFamily="2" charset="0"/>
-              </a:rPr>
-              <a:t>todo</a:t>
-            </a:r>
-            <a:r>
-              <a:rPr lang="en-US" sz="3500" dirty="0" smtClean="0">
-                <a:latin typeface="Quicksand" panose="00000500000000000000" pitchFamily="2" charset="0"/>
-              </a:rPr>
-              <a:t> o </a:t>
-            </a:r>
-            <a:r>
-              <a:rPr lang="en-US" sz="3500" dirty="0" err="1" smtClean="0">
-                <a:latin typeface="Quicksand" panose="00000500000000000000" pitchFamily="2" charset="0"/>
-              </a:rPr>
-              <a:t>seu</a:t>
-            </a:r>
-            <a:r>
-              <a:rPr lang="en-US" sz="3500" dirty="0" smtClean="0">
-                <a:latin typeface="Quicksand" panose="00000500000000000000" pitchFamily="2" charset="0"/>
-              </a:rPr>
-              <a:t> </a:t>
-            </a:r>
-            <a:r>
-              <a:rPr lang="en-US" sz="3500" dirty="0" err="1" smtClean="0">
-                <a:latin typeface="Quicksand" panose="00000500000000000000" pitchFamily="2" charset="0"/>
-              </a:rPr>
-              <a:t>universo</a:t>
-            </a:r>
-            <a:r>
-              <a:rPr lang="en-US" sz="3500" dirty="0" smtClean="0">
-                <a:latin typeface="Quicksand" panose="00000500000000000000" pitchFamily="2" charset="0"/>
-              </a:rPr>
-              <a:t>, </a:t>
-            </a:r>
-            <a:r>
-              <a:rPr lang="en-US" sz="3500" dirty="0" err="1" smtClean="0">
-                <a:latin typeface="Quicksand" panose="00000500000000000000" pitchFamily="2" charset="0"/>
-              </a:rPr>
-              <a:t>listando</a:t>
-            </a:r>
-            <a:r>
-              <a:rPr lang="en-US" sz="3500" dirty="0" smtClean="0">
-                <a:latin typeface="Quicksand" panose="00000500000000000000" pitchFamily="2" charset="0"/>
-              </a:rPr>
-              <a:t> HQs, </a:t>
-            </a:r>
-            <a:r>
-              <a:rPr lang="en-US" sz="3500" dirty="0" err="1" smtClean="0">
-                <a:latin typeface="Quicksand" panose="00000500000000000000" pitchFamily="2" charset="0"/>
-              </a:rPr>
-              <a:t>Personagens</a:t>
-            </a:r>
-            <a:r>
-              <a:rPr lang="en-US" sz="3500" dirty="0" smtClean="0">
-                <a:latin typeface="Quicksand" panose="00000500000000000000" pitchFamily="2" charset="0"/>
-              </a:rPr>
-              <a:t> e </a:t>
-            </a:r>
-            <a:r>
-              <a:rPr lang="en-US" sz="3500" dirty="0" err="1" smtClean="0">
-                <a:latin typeface="Quicksand" panose="00000500000000000000" pitchFamily="2" charset="0"/>
-              </a:rPr>
-              <a:t>Autores</a:t>
-            </a:r>
-            <a:r>
-              <a:rPr lang="en-US" sz="3500" dirty="0" smtClean="0">
-                <a:latin typeface="Quicksand" panose="00000500000000000000" pitchFamily="2" charset="0"/>
-              </a:rPr>
-              <a:t>, </a:t>
-            </a:r>
-            <a:r>
-              <a:rPr lang="en-US" sz="3500" dirty="0" err="1" smtClean="0">
-                <a:latin typeface="Quicksand" panose="00000500000000000000" pitchFamily="2" charset="0"/>
-              </a:rPr>
-              <a:t>permitindo</a:t>
-            </a:r>
-            <a:r>
-              <a:rPr lang="en-US" sz="3500" dirty="0" smtClean="0">
-                <a:latin typeface="Quicksand" panose="00000500000000000000" pitchFamily="2" charset="0"/>
-              </a:rPr>
-              <a:t> </a:t>
-            </a:r>
-            <a:r>
-              <a:rPr lang="en-US" sz="3500" dirty="0" err="1" smtClean="0">
-                <a:latin typeface="Quicksand" panose="00000500000000000000" pitchFamily="2" charset="0"/>
-              </a:rPr>
-              <a:t>que</a:t>
-            </a:r>
-            <a:r>
-              <a:rPr lang="en-US" sz="3500" dirty="0" smtClean="0">
-                <a:latin typeface="Quicksand" panose="00000500000000000000" pitchFamily="2" charset="0"/>
-              </a:rPr>
-              <a:t> </a:t>
-            </a:r>
-            <a:r>
-              <a:rPr lang="en-US" sz="3500" dirty="0" err="1" smtClean="0">
-                <a:latin typeface="Quicksand" panose="00000500000000000000" pitchFamily="2" charset="0"/>
-              </a:rPr>
-              <a:t>você</a:t>
-            </a:r>
-            <a:r>
-              <a:rPr lang="en-US" sz="3500" dirty="0" smtClean="0">
-                <a:latin typeface="Quicksand" panose="00000500000000000000" pitchFamily="2" charset="0"/>
-              </a:rPr>
-              <a:t> </a:t>
-            </a:r>
-            <a:r>
-              <a:rPr lang="en-US" sz="3500" dirty="0" err="1" smtClean="0">
-                <a:latin typeface="Quicksand" panose="00000500000000000000" pitchFamily="2" charset="0"/>
-              </a:rPr>
-              <a:t>interaja</a:t>
-            </a:r>
-            <a:r>
-              <a:rPr lang="en-US" sz="3500" dirty="0" smtClean="0">
-                <a:latin typeface="Quicksand" panose="00000500000000000000" pitchFamily="2" charset="0"/>
-              </a:rPr>
-              <a:t> com </a:t>
-            </a:r>
-            <a:r>
-              <a:rPr lang="en-US" sz="3500" dirty="0" err="1" smtClean="0">
-                <a:latin typeface="Quicksand" panose="00000500000000000000" pitchFamily="2" charset="0"/>
-              </a:rPr>
-              <a:t>algumas</a:t>
-            </a:r>
-            <a:r>
-              <a:rPr lang="en-US" sz="3500" dirty="0" smtClean="0">
-                <a:latin typeface="Quicksand" panose="00000500000000000000" pitchFamily="2" charset="0"/>
-              </a:rPr>
-              <a:t> </a:t>
-            </a:r>
-            <a:r>
-              <a:rPr lang="en-US" sz="3500" dirty="0" err="1" smtClean="0">
-                <a:latin typeface="Quicksand" panose="00000500000000000000" pitchFamily="2" charset="0"/>
-              </a:rPr>
-              <a:t>dessas</a:t>
-            </a:r>
-            <a:r>
-              <a:rPr lang="en-US" sz="3500" dirty="0" smtClean="0">
-                <a:latin typeface="Quicksand" panose="00000500000000000000" pitchFamily="2" charset="0"/>
-              </a:rPr>
-              <a:t> </a:t>
-            </a:r>
-            <a:r>
-              <a:rPr lang="en-US" sz="3500" dirty="0" err="1" smtClean="0">
-                <a:latin typeface="Quicksand" panose="00000500000000000000" pitchFamily="2" charset="0"/>
-              </a:rPr>
-              <a:t>informações</a:t>
-            </a:r>
-            <a:r>
-              <a:rPr lang="en-US" sz="3500" dirty="0" smtClean="0">
-                <a:latin typeface="Quicksand" panose="00000500000000000000" pitchFamily="2" charset="0"/>
-              </a:rPr>
-              <a:t> e favorite-as.</a:t>
-            </a:r>
             <a:endParaRPr lang="pt-BR" sz="3500" dirty="0">
               <a:latin typeface="Quicksand" panose="00000500000000000000" pitchFamily="2" charset="0"/>
             </a:endParaRPr>
           </a:p>
         </p:txBody>
       </p:sp>
+      <p:pic>
+        <p:nvPicPr>
+          <p:cNvPr id="1027" name="Picture 3" descr="C:\Users\Leonardo\Documents\Alfa\projetoFinal\imgs\AppScreen.png"/>
+          <p:cNvPicPr>
+            <a:picLocks noChangeAspect="1" noChangeArrowheads="1"/>
+          </p:cNvPicPr>
+          <p:nvPr/>
+        </p:nvPicPr>
+        <p:blipFill>
+          <a:blip r:embed="rId3">
+            <a:extLst>
+              <a:ext uri="{28A0092B-C50C-407E-A947-70E740481C1C}">
+                <a14:useLocalDpi xmlns:a14="http://schemas.microsoft.com/office/drawing/2010/main" val="0"/>
+              </a:ext>
+            </a:extLst>
+          </a:blip>
+          <a:srcRect/>
+          <a:stretch>
+            <a:fillRect/>
+          </a:stretch>
+        </p:blipFill>
+        <p:spPr bwMode="auto">
+          <a:xfrm>
+            <a:off x="1647097" y="1268760"/>
+            <a:ext cx="5920648" cy="5121498"/>
+          </a:xfrm>
+          <a:prstGeom prst="rect">
+            <a:avLst/>
+          </a:prstGeom>
+          <a:noFill/>
+          <a:extLst>
+            <a:ext uri="{909E8E84-426E-40DD-AFC4-6F175D3DCCD1}">
+              <a14:hiddenFill xmlns:a14="http://schemas.microsoft.com/office/drawing/2010/main">
+                <a:solidFill>
+                  <a:srgbClr val="FFFFFF"/>
+                </a:solidFill>
+              </a14:hiddenFill>
+            </a:ext>
+          </a:extLst>
+        </p:spPr>
+      </p:pic>
     </p:spTree>
     <p:extLst>
       <p:ext uri="{BB962C8B-B14F-4D97-AF65-F5344CB8AC3E}">
-        <p14:creationId xmlns:p14="http://schemas.microsoft.com/office/powerpoint/2010/main" val="2040657063"/>
+        <p14:creationId xmlns:p14="http://schemas.microsoft.com/office/powerpoint/2010/main" val="428802940"/>
       </p:ext>
     </p:extLst>
   </p:cSld>
@@ -8912,8 +7987,8 @@
         </p:nvSpPr>
         <p:spPr>
           <a:xfrm>
-            <a:off x="1835696" y="260648"/>
-            <a:ext cx="5904656" cy="914400"/>
+            <a:off x="2095136" y="260648"/>
+            <a:ext cx="5040560" cy="914400"/>
           </a:xfrm>
           <a:prstGeom prst="rect">
             <a:avLst/>
@@ -9013,7 +8088,7 @@
               <a:rPr lang="en-US" sz="6000" dirty="0" smtClean="0">
                 <a:latin typeface="Quicksand" panose="00000500000000000000" pitchFamily="2" charset="0"/>
               </a:rPr>
-              <a:t> - Mobile</a:t>
+              <a:t> - Web</a:t>
             </a:r>
             <a:endParaRPr lang="pt-BR" sz="6000" dirty="0">
               <a:latin typeface="Quicksand" panose="00000500000000000000" pitchFamily="2" charset="0"/>
@@ -9044,7 +8119,7 @@
         </p:blipFill>
         <p:spPr bwMode="auto">
           <a:xfrm>
-            <a:off x="1106480" y="425248"/>
+            <a:off x="1435704" y="425248"/>
             <a:ext cx="585200" cy="585200"/>
           </a:xfrm>
           <a:prstGeom prst="rect">
@@ -9172,7 +8247,7 @@
       </p:sp>
       <p:pic>
         <p:nvPicPr>
-          <p:cNvPr id="1027" name="Picture 3" descr="C:\Users\Leonardo\Documents\Alfa\projetoFinal\imgs\AppScreen.png"/>
+          <p:cNvPr id="2" name="Picture 2" descr="C:\Users\Leonardo\Desktop\Sem título.jpg"/>
           <p:cNvPicPr>
             <a:picLocks noChangeAspect="1" noChangeArrowheads="1"/>
           </p:cNvPicPr>
@@ -9193,8 +8268,8 @@
         </p:blipFill>
         <p:spPr bwMode="auto">
           <a:xfrm>
-            <a:off x="1647097" y="1268760"/>
-            <a:ext cx="5920648" cy="5121498"/>
+            <a:off x="281357" y="1772816"/>
+            <a:ext cx="8633814" cy="4242672"/>
           </a:xfrm>
           <a:prstGeom prst="rect">
             <a:avLst/>
@@ -9214,7 +8289,7 @@
     </p:spTree>
     <p:extLst>
       <p:ext uri="{BB962C8B-B14F-4D97-AF65-F5344CB8AC3E}">
-        <p14:creationId xmlns:p14="http://schemas.microsoft.com/office/powerpoint/2010/main" val="428802940"/>
+        <p14:creationId xmlns:p14="http://schemas.microsoft.com/office/powerpoint/2010/main" val="2955094013"/>
       </p:ext>
     </p:extLst>
   </p:cSld>
@@ -9258,8 +8333,8 @@
         </p:nvSpPr>
         <p:spPr>
           <a:xfrm>
-            <a:off x="2095136" y="260648"/>
-            <a:ext cx="5040560" cy="914400"/>
+            <a:off x="198984" y="260648"/>
+            <a:ext cx="7543800" cy="914400"/>
           </a:xfrm>
           <a:prstGeom prst="rect">
             <a:avLst/>
@@ -9350,67 +8425,43 @@
           </a:lstStyle>
           <a:p>
             <a:r>
-              <a:rPr lang="en-US" sz="6000" dirty="0" err="1" smtClean="0">
-                <a:latin typeface="Quicksand" panose="00000500000000000000" pitchFamily="2" charset="0"/>
-              </a:rPr>
-              <a:t>Marviz</a:t>
-            </a:r>
-            <a:r>
-              <a:rPr lang="en-US" sz="6000" dirty="0" smtClean="0">
-                <a:latin typeface="Quicksand" panose="00000500000000000000" pitchFamily="2" charset="0"/>
-              </a:rPr>
-              <a:t> - Web</a:t>
-            </a:r>
-            <a:endParaRPr lang="pt-BR" sz="6000" dirty="0">
+              <a:rPr lang="en-US" dirty="0" err="1" smtClean="0">
+                <a:latin typeface="Quicksand" panose="00000500000000000000" pitchFamily="2" charset="0"/>
+                <a:ea typeface="Roboto" panose="02000000000000000000" pitchFamily="2" charset="0"/>
+              </a:rPr>
+              <a:t>Qual</a:t>
+            </a:r>
+            <a:r>
+              <a:rPr lang="en-US" dirty="0" smtClean="0">
+                <a:latin typeface="Quicksand" panose="00000500000000000000" pitchFamily="2" charset="0"/>
+                <a:ea typeface="Roboto" panose="02000000000000000000" pitchFamily="2" charset="0"/>
+              </a:rPr>
+              <a:t> o </a:t>
+            </a:r>
+            <a:r>
+              <a:rPr lang="en-US" dirty="0" err="1" smtClean="0">
+                <a:latin typeface="Quicksand" panose="00000500000000000000" pitchFamily="2" charset="0"/>
+                <a:ea typeface="Roboto" panose="02000000000000000000" pitchFamily="2" charset="0"/>
+              </a:rPr>
+              <a:t>resultado</a:t>
+            </a:r>
+            <a:r>
+              <a:rPr lang="en-US" dirty="0" smtClean="0">
+                <a:latin typeface="Quicksand" panose="00000500000000000000" pitchFamily="2" charset="0"/>
+                <a:ea typeface="Roboto" panose="02000000000000000000" pitchFamily="2" charset="0"/>
+              </a:rPr>
+              <a:t>?</a:t>
+            </a:r>
+            <a:endParaRPr lang="pt-BR" dirty="0">
               <a:latin typeface="Quicksand" panose="00000500000000000000" pitchFamily="2" charset="0"/>
+              <a:ea typeface="Roboto" panose="02000000000000000000" pitchFamily="2" charset="0"/>
             </a:endParaRPr>
           </a:p>
         </p:txBody>
       </p:sp>
-      <p:pic>
-        <p:nvPicPr>
-          <p:cNvPr id="2050" name="Picture 2" descr="C:\Users\Leonardo\Documents\Alfa\projetoFinal\Marviz\assets\icon.orig.png"/>
-          <p:cNvPicPr>
-            <a:picLocks noChangeAspect="1" noChangeArrowheads="1"/>
-          </p:cNvPicPr>
-          <p:nvPr/>
-        </p:nvPicPr>
-        <p:blipFill>
-          <a:blip r:embed="rId2" cstate="print">
-            <a:extLst>
-              <a:ext uri="{28A0092B-C50C-407E-A947-70E740481C1C}">
-                <a14:useLocalDpi xmlns:a14="http://schemas.microsoft.com/office/drawing/2010/main" val="0"/>
-              </a:ext>
-            </a:extLst>
-          </a:blip>
-          <a:srcRect/>
-          <a:stretch>
-            <a:fillRect/>
-          </a:stretch>
-        </p:blipFill>
-        <p:spPr bwMode="auto">
-          <a:xfrm>
-            <a:off x="1435704" y="425248"/>
-            <a:ext cx="585200" cy="585200"/>
-          </a:xfrm>
-          <a:prstGeom prst="rect">
-            <a:avLst/>
-          </a:prstGeom>
-          <a:noFill/>
-          <a:extLst>
-            <a:ext uri="{909E8E84-426E-40DD-AFC4-6F175D3DCCD1}">
-              <a14:hiddenFill xmlns:a14="http://schemas.microsoft.com/office/drawing/2010/main">
-                <a:solidFill>
-                  <a:srgbClr val="FFFFFF"/>
-                </a:solidFill>
-              </a14:hiddenFill>
-            </a:ext>
-          </a:extLst>
-        </p:spPr>
-      </p:pic>
-      <p:sp>
-        <p:nvSpPr>
-          <p:cNvPr id="7" name="Título 2"/>
+      <p:sp>
+        <p:nvSpPr>
+          <p:cNvPr id="5" name="Título 2"/>
           <p:cNvSpPr txBox="1">
             <a:spLocks/>
           </p:cNvSpPr>
@@ -9418,8 +8469,8 @@
         </p:nvSpPr>
         <p:spPr>
           <a:xfrm>
-            <a:off x="481256" y="2708920"/>
-            <a:ext cx="8268320" cy="3096344"/>
+            <a:off x="467544" y="1337368"/>
+            <a:ext cx="8208912" cy="4611912"/>
           </a:xfrm>
           <a:prstGeom prst="rect">
             <a:avLst/>
@@ -9510,57 +8561,433 @@
           </a:lstStyle>
           <a:p>
             <a:pPr algn="just"/>
-            <a:endParaRPr lang="pt-BR" sz="3500" dirty="0">
-              <a:latin typeface="Quicksand" panose="00000500000000000000" pitchFamily="2" charset="0"/>
-            </a:endParaRPr>
-          </a:p>
-        </p:txBody>
-      </p:sp>
-      <p:pic>
-        <p:nvPicPr>
-          <p:cNvPr id="2" name="Picture 2" descr="C:\Users\Leonardo\Desktop\Sem título.jpg"/>
-          <p:cNvPicPr>
-            <a:picLocks noChangeAspect="1" noChangeArrowheads="1"/>
-          </p:cNvPicPr>
-          <p:nvPr/>
-        </p:nvPicPr>
-        <p:blipFill>
-          <a:blip r:embed="rId3">
-            <a:extLst>
-              <a:ext uri="{28A0092B-C50C-407E-A947-70E740481C1C}">
-                <a14:useLocalDpi xmlns:a14="http://schemas.microsoft.com/office/drawing/2010/main" val="0"/>
-              </a:ext>
-            </a:extLst>
-          </a:blip>
-          <a:srcRect/>
-          <a:stretch>
-            <a:fillRect/>
-          </a:stretch>
-        </p:blipFill>
-        <p:spPr bwMode="auto">
-          <a:xfrm>
-            <a:off x="281357" y="1772816"/>
-            <a:ext cx="8633814" cy="4242672"/>
-          </a:xfrm>
-          <a:prstGeom prst="rect">
-            <a:avLst/>
-          </a:prstGeom>
-          <a:noFill/>
-          <a:extLst>
-            <a:ext uri="{909E8E84-426E-40DD-AFC4-6F175D3DCCD1}">
-              <a14:hiddenFill xmlns:a14="http://schemas.microsoft.com/office/drawing/2010/main">
-                <a:solidFill>
-                  <a:srgbClr val="FFFFFF"/>
-                </a:solidFill>
-              </a14:hiddenFill>
-            </a:ext>
-          </a:extLst>
-        </p:spPr>
-      </p:pic>
+            <a:r>
+              <a:rPr lang="en-US" sz="3500" dirty="0" err="1" smtClean="0">
+                <a:latin typeface="Quicksand" panose="00000500000000000000" pitchFamily="2" charset="0"/>
+                <a:ea typeface="Roboto" panose="02000000000000000000" pitchFamily="2" charset="0"/>
+              </a:rPr>
+              <a:t>Após</a:t>
+            </a:r>
+            <a:r>
+              <a:rPr lang="en-US" sz="3500" dirty="0" smtClean="0">
+                <a:latin typeface="Quicksand" panose="00000500000000000000" pitchFamily="2" charset="0"/>
+                <a:ea typeface="Roboto" panose="02000000000000000000" pitchFamily="2" charset="0"/>
+              </a:rPr>
+              <a:t> </a:t>
+            </a:r>
+            <a:r>
+              <a:rPr lang="en-US" sz="3500" dirty="0" err="1" smtClean="0">
+                <a:latin typeface="Quicksand" panose="00000500000000000000" pitchFamily="2" charset="0"/>
+                <a:ea typeface="Roboto" panose="02000000000000000000" pitchFamily="2" charset="0"/>
+              </a:rPr>
+              <a:t>concluir</a:t>
+            </a:r>
+            <a:r>
+              <a:rPr lang="en-US" sz="3500" dirty="0" smtClean="0">
+                <a:latin typeface="Quicksand" panose="00000500000000000000" pitchFamily="2" charset="0"/>
+                <a:ea typeface="Roboto" panose="02000000000000000000" pitchFamily="2" charset="0"/>
+              </a:rPr>
+              <a:t> </a:t>
+            </a:r>
+            <a:r>
+              <a:rPr lang="en-US" sz="3500" dirty="0" err="1" smtClean="0">
+                <a:latin typeface="Quicksand" panose="00000500000000000000" pitchFamily="2" charset="0"/>
+                <a:ea typeface="Roboto" panose="02000000000000000000" pitchFamily="2" charset="0"/>
+              </a:rPr>
+              <a:t>os</a:t>
+            </a:r>
+            <a:r>
+              <a:rPr lang="en-US" sz="3500" dirty="0" smtClean="0">
+                <a:latin typeface="Quicksand" panose="00000500000000000000" pitchFamily="2" charset="0"/>
+                <a:ea typeface="Roboto" panose="02000000000000000000" pitchFamily="2" charset="0"/>
+              </a:rPr>
+              <a:t> </a:t>
+            </a:r>
+            <a:r>
+              <a:rPr lang="en-US" sz="3500" dirty="0" err="1" smtClean="0">
+                <a:latin typeface="Quicksand" panose="00000500000000000000" pitchFamily="2" charset="0"/>
+                <a:ea typeface="Roboto" panose="02000000000000000000" pitchFamily="2" charset="0"/>
+              </a:rPr>
+              <a:t>dois</a:t>
+            </a:r>
+            <a:r>
+              <a:rPr lang="en-US" sz="3500" dirty="0" smtClean="0">
+                <a:latin typeface="Quicksand" panose="00000500000000000000" pitchFamily="2" charset="0"/>
+                <a:ea typeface="Roboto" panose="02000000000000000000" pitchFamily="2" charset="0"/>
+              </a:rPr>
+              <a:t> </a:t>
+            </a:r>
+            <a:r>
+              <a:rPr lang="en-US" sz="3500" dirty="0" err="1" smtClean="0">
+                <a:latin typeface="Quicksand" panose="00000500000000000000" pitchFamily="2" charset="0"/>
+                <a:ea typeface="Roboto" panose="02000000000000000000" pitchFamily="2" charset="0"/>
+              </a:rPr>
+              <a:t>projetos</a:t>
+            </a:r>
+            <a:r>
+              <a:rPr lang="en-US" sz="3500" dirty="0" smtClean="0">
+                <a:latin typeface="Quicksand" panose="00000500000000000000" pitchFamily="2" charset="0"/>
+                <a:ea typeface="Roboto" panose="02000000000000000000" pitchFamily="2" charset="0"/>
+              </a:rPr>
+              <a:t> </a:t>
+            </a:r>
+            <a:r>
+              <a:rPr lang="en-US" sz="3500" dirty="0" err="1" smtClean="0">
+                <a:latin typeface="Quicksand" panose="00000500000000000000" pitchFamily="2" charset="0"/>
+                <a:ea typeface="Roboto" panose="02000000000000000000" pitchFamily="2" charset="0"/>
+              </a:rPr>
+              <a:t>foi</a:t>
+            </a:r>
+            <a:r>
+              <a:rPr lang="en-US" sz="3500" dirty="0" smtClean="0">
+                <a:latin typeface="Quicksand" panose="00000500000000000000" pitchFamily="2" charset="0"/>
+                <a:ea typeface="Roboto" panose="02000000000000000000" pitchFamily="2" charset="0"/>
+              </a:rPr>
+              <a:t> </a:t>
+            </a:r>
+            <a:r>
+              <a:rPr lang="en-US" sz="3500" dirty="0" err="1" smtClean="0">
+                <a:latin typeface="Quicksand" panose="00000500000000000000" pitchFamily="2" charset="0"/>
+                <a:ea typeface="Roboto" panose="02000000000000000000" pitchFamily="2" charset="0"/>
+              </a:rPr>
+              <a:t>possível</a:t>
+            </a:r>
+            <a:r>
+              <a:rPr lang="en-US" sz="3500" dirty="0" smtClean="0">
+                <a:latin typeface="Quicksand" panose="00000500000000000000" pitchFamily="2" charset="0"/>
+                <a:ea typeface="Roboto" panose="02000000000000000000" pitchFamily="2" charset="0"/>
+              </a:rPr>
+              <a:t> </a:t>
+            </a:r>
+            <a:r>
+              <a:rPr lang="en-US" sz="3500" dirty="0" err="1" smtClean="0">
+                <a:latin typeface="Quicksand" panose="00000500000000000000" pitchFamily="2" charset="0"/>
+                <a:ea typeface="Roboto" panose="02000000000000000000" pitchFamily="2" charset="0"/>
+              </a:rPr>
+              <a:t>identificar</a:t>
+            </a:r>
+            <a:r>
+              <a:rPr lang="en-US" sz="3500" dirty="0" smtClean="0">
+                <a:latin typeface="Quicksand" panose="00000500000000000000" pitchFamily="2" charset="0"/>
+                <a:ea typeface="Roboto" panose="02000000000000000000" pitchFamily="2" charset="0"/>
+              </a:rPr>
+              <a:t> </a:t>
+            </a:r>
+            <a:r>
+              <a:rPr lang="en-US" sz="3500" dirty="0" err="1" smtClean="0">
+                <a:latin typeface="Quicksand" panose="00000500000000000000" pitchFamily="2" charset="0"/>
+                <a:ea typeface="Roboto" panose="02000000000000000000" pitchFamily="2" charset="0"/>
+              </a:rPr>
+              <a:t>uma</a:t>
+            </a:r>
+            <a:r>
+              <a:rPr lang="en-US" sz="3500" dirty="0" smtClean="0">
+                <a:latin typeface="Quicksand" panose="00000500000000000000" pitchFamily="2" charset="0"/>
+                <a:ea typeface="Roboto" panose="02000000000000000000" pitchFamily="2" charset="0"/>
+              </a:rPr>
+              <a:t> </a:t>
+            </a:r>
+            <a:r>
+              <a:rPr lang="en-US" sz="3500" dirty="0" err="1" smtClean="0">
+                <a:latin typeface="Quicksand" panose="00000500000000000000" pitchFamily="2" charset="0"/>
+                <a:ea typeface="Roboto" panose="02000000000000000000" pitchFamily="2" charset="0"/>
+              </a:rPr>
+              <a:t>reutilização</a:t>
+            </a:r>
+            <a:r>
+              <a:rPr lang="en-US" sz="3500" dirty="0" smtClean="0">
+                <a:latin typeface="Quicksand" panose="00000500000000000000" pitchFamily="2" charset="0"/>
+                <a:ea typeface="Roboto" panose="02000000000000000000" pitchFamily="2" charset="0"/>
+              </a:rPr>
+              <a:t> </a:t>
+            </a:r>
+            <a:r>
+              <a:rPr lang="en-US" sz="3500" dirty="0" err="1" smtClean="0">
+                <a:latin typeface="Quicksand" panose="00000500000000000000" pitchFamily="2" charset="0"/>
+                <a:ea typeface="Roboto" panose="02000000000000000000" pitchFamily="2" charset="0"/>
+              </a:rPr>
+              <a:t>muito</a:t>
+            </a:r>
+            <a:r>
+              <a:rPr lang="en-US" sz="3500" dirty="0" smtClean="0">
+                <a:latin typeface="Quicksand" panose="00000500000000000000" pitchFamily="2" charset="0"/>
+                <a:ea typeface="Roboto" panose="02000000000000000000" pitchFamily="2" charset="0"/>
+              </a:rPr>
+              <a:t> </a:t>
+            </a:r>
+            <a:r>
+              <a:rPr lang="en-US" sz="3500" dirty="0" err="1" smtClean="0">
+                <a:latin typeface="Quicksand" panose="00000500000000000000" pitchFamily="2" charset="0"/>
+                <a:ea typeface="Roboto" panose="02000000000000000000" pitchFamily="2" charset="0"/>
+              </a:rPr>
+              <a:t>grande</a:t>
+            </a:r>
+            <a:r>
+              <a:rPr lang="en-US" sz="3500" dirty="0" smtClean="0">
+                <a:latin typeface="Quicksand" panose="00000500000000000000" pitchFamily="2" charset="0"/>
+                <a:ea typeface="Roboto" panose="02000000000000000000" pitchFamily="2" charset="0"/>
+              </a:rPr>
+              <a:t> de </a:t>
+            </a:r>
+            <a:r>
+              <a:rPr lang="en-US" sz="3500" dirty="0" err="1" smtClean="0">
+                <a:latin typeface="Quicksand" panose="00000500000000000000" pitchFamily="2" charset="0"/>
+                <a:ea typeface="Roboto" panose="02000000000000000000" pitchFamily="2" charset="0"/>
+              </a:rPr>
+              <a:t>códigos</a:t>
+            </a:r>
+            <a:r>
+              <a:rPr lang="en-US" sz="3500" dirty="0" smtClean="0">
+                <a:latin typeface="Quicksand" panose="00000500000000000000" pitchFamily="2" charset="0"/>
+                <a:ea typeface="Roboto" panose="02000000000000000000" pitchFamily="2" charset="0"/>
+              </a:rPr>
+              <a:t>, </a:t>
+            </a:r>
+            <a:r>
+              <a:rPr lang="en-US" sz="3500" dirty="0" err="1" smtClean="0">
+                <a:latin typeface="Quicksand" panose="00000500000000000000" pitchFamily="2" charset="0"/>
+                <a:ea typeface="Roboto" panose="02000000000000000000" pitchFamily="2" charset="0"/>
+              </a:rPr>
+              <a:t>principalmente</a:t>
+            </a:r>
+            <a:r>
+              <a:rPr lang="en-US" sz="3500" dirty="0" smtClean="0">
+                <a:latin typeface="Quicksand" panose="00000500000000000000" pitchFamily="2" charset="0"/>
+                <a:ea typeface="Roboto" panose="02000000000000000000" pitchFamily="2" charset="0"/>
+              </a:rPr>
+              <a:t> </a:t>
+            </a:r>
+            <a:r>
+              <a:rPr lang="en-US" sz="3500" dirty="0" err="1" smtClean="0">
+                <a:latin typeface="Quicksand" panose="00000500000000000000" pitchFamily="2" charset="0"/>
+                <a:ea typeface="Roboto" panose="02000000000000000000" pitchFamily="2" charset="0"/>
+              </a:rPr>
+              <a:t>nas</a:t>
+            </a:r>
+            <a:r>
+              <a:rPr lang="en-US" sz="3500" dirty="0" smtClean="0">
+                <a:latin typeface="Quicksand" panose="00000500000000000000" pitchFamily="2" charset="0"/>
+                <a:ea typeface="Roboto" panose="02000000000000000000" pitchFamily="2" charset="0"/>
+              </a:rPr>
+              <a:t> </a:t>
+            </a:r>
+            <a:r>
+              <a:rPr lang="en-US" sz="3500" dirty="0" err="1" smtClean="0">
+                <a:latin typeface="Quicksand" panose="00000500000000000000" pitchFamily="2" charset="0"/>
+                <a:ea typeface="Roboto" panose="02000000000000000000" pitchFamily="2" charset="0"/>
+              </a:rPr>
+              <a:t>funções</a:t>
+            </a:r>
+            <a:r>
+              <a:rPr lang="en-US" sz="3500" dirty="0" smtClean="0">
+                <a:latin typeface="Quicksand" panose="00000500000000000000" pitchFamily="2" charset="0"/>
+                <a:ea typeface="Roboto" panose="02000000000000000000" pitchFamily="2" charset="0"/>
+              </a:rPr>
+              <a:t> de </a:t>
+            </a:r>
+            <a:r>
+              <a:rPr lang="en-US" sz="3500" dirty="0" err="1" smtClean="0">
+                <a:latin typeface="Quicksand" panose="00000500000000000000" pitchFamily="2" charset="0"/>
+                <a:ea typeface="Roboto" panose="02000000000000000000" pitchFamily="2" charset="0"/>
+              </a:rPr>
+              <a:t>conexão</a:t>
+            </a:r>
+            <a:r>
+              <a:rPr lang="en-US" sz="3500" dirty="0">
+                <a:latin typeface="Quicksand" panose="00000500000000000000" pitchFamily="2" charset="0"/>
+                <a:ea typeface="Roboto" panose="02000000000000000000" pitchFamily="2" charset="0"/>
+              </a:rPr>
+              <a:t> </a:t>
+            </a:r>
+            <a:r>
+              <a:rPr lang="en-US" sz="3500" dirty="0" smtClean="0">
+                <a:latin typeface="Quicksand" panose="00000500000000000000" pitchFamily="2" charset="0"/>
+                <a:ea typeface="Roboto" panose="02000000000000000000" pitchFamily="2" charset="0"/>
+              </a:rPr>
+              <a:t>com </a:t>
+            </a:r>
+            <a:r>
+              <a:rPr lang="en-US" sz="3500" dirty="0" err="1" smtClean="0">
+                <a:latin typeface="Quicksand" panose="00000500000000000000" pitchFamily="2" charset="0"/>
+                <a:ea typeface="Roboto" panose="02000000000000000000" pitchFamily="2" charset="0"/>
+              </a:rPr>
+              <a:t>api</a:t>
+            </a:r>
+            <a:r>
+              <a:rPr lang="en-US" sz="3500" dirty="0" smtClean="0">
+                <a:latin typeface="Quicksand" panose="00000500000000000000" pitchFamily="2" charset="0"/>
+                <a:ea typeface="Roboto" panose="02000000000000000000" pitchFamily="2" charset="0"/>
+              </a:rPr>
+              <a:t> e </a:t>
+            </a:r>
+            <a:r>
+              <a:rPr lang="en-US" sz="3500" dirty="0" err="1" smtClean="0">
+                <a:latin typeface="Quicksand" panose="00000500000000000000" pitchFamily="2" charset="0"/>
+                <a:ea typeface="Roboto" panose="02000000000000000000" pitchFamily="2" charset="0"/>
+              </a:rPr>
+              <a:t>controle</a:t>
+            </a:r>
+            <a:r>
+              <a:rPr lang="en-US" sz="3500" dirty="0" smtClean="0">
+                <a:latin typeface="Quicksand" panose="00000500000000000000" pitchFamily="2" charset="0"/>
+                <a:ea typeface="Roboto" panose="02000000000000000000" pitchFamily="2" charset="0"/>
+              </a:rPr>
+              <a:t> de </a:t>
+            </a:r>
+            <a:r>
+              <a:rPr lang="en-US" sz="3500" dirty="0" err="1" smtClean="0">
+                <a:latin typeface="Quicksand" panose="00000500000000000000" pitchFamily="2" charset="0"/>
+                <a:ea typeface="Roboto" panose="02000000000000000000" pitchFamily="2" charset="0"/>
+              </a:rPr>
+              <a:t>informações</a:t>
+            </a:r>
+            <a:r>
+              <a:rPr lang="en-US" sz="3500" dirty="0" smtClean="0">
+                <a:latin typeface="Quicksand" panose="00000500000000000000" pitchFamily="2" charset="0"/>
+                <a:ea typeface="Roboto" panose="02000000000000000000" pitchFamily="2" charset="0"/>
+              </a:rPr>
+              <a:t> da </a:t>
+            </a:r>
+            <a:r>
+              <a:rPr lang="en-US" sz="3500" dirty="0" err="1" smtClean="0">
+                <a:latin typeface="Quicksand" panose="00000500000000000000" pitchFamily="2" charset="0"/>
+                <a:ea typeface="Roboto" panose="02000000000000000000" pitchFamily="2" charset="0"/>
+              </a:rPr>
+              <a:t>aplicação</a:t>
+            </a:r>
+            <a:r>
+              <a:rPr lang="en-US" sz="3500" dirty="0">
+                <a:latin typeface="Quicksand" panose="00000500000000000000" pitchFamily="2" charset="0"/>
+                <a:ea typeface="Roboto" panose="02000000000000000000" pitchFamily="2" charset="0"/>
+              </a:rPr>
+              <a:t>.</a:t>
+            </a:r>
+            <a:r>
+              <a:rPr lang="en-US" sz="3500" dirty="0" smtClean="0">
+                <a:latin typeface="Quicksand" panose="00000500000000000000" pitchFamily="2" charset="0"/>
+                <a:ea typeface="Roboto" panose="02000000000000000000" pitchFamily="2" charset="0"/>
+              </a:rPr>
+              <a:t> E </a:t>
+            </a:r>
+            <a:r>
+              <a:rPr lang="en-US" sz="3500" dirty="0" err="1" smtClean="0">
+                <a:latin typeface="Quicksand" panose="00000500000000000000" pitchFamily="2" charset="0"/>
+                <a:ea typeface="Roboto" panose="02000000000000000000" pitchFamily="2" charset="0"/>
+              </a:rPr>
+              <a:t>nas</a:t>
+            </a:r>
+            <a:r>
+              <a:rPr lang="en-US" sz="3500" dirty="0" smtClean="0">
+                <a:latin typeface="Quicksand" panose="00000500000000000000" pitchFamily="2" charset="0"/>
+                <a:ea typeface="Roboto" panose="02000000000000000000" pitchFamily="2" charset="0"/>
+              </a:rPr>
+              <a:t> </a:t>
+            </a:r>
+            <a:r>
+              <a:rPr lang="en-US" sz="3500" dirty="0" err="1" smtClean="0">
+                <a:latin typeface="Quicksand" panose="00000500000000000000" pitchFamily="2" charset="0"/>
+                <a:ea typeface="Roboto" panose="02000000000000000000" pitchFamily="2" charset="0"/>
+              </a:rPr>
+              <a:t>outras</a:t>
+            </a:r>
+            <a:r>
+              <a:rPr lang="en-US" sz="3500" dirty="0" smtClean="0">
+                <a:latin typeface="Quicksand" panose="00000500000000000000" pitchFamily="2" charset="0"/>
+                <a:ea typeface="Roboto" panose="02000000000000000000" pitchFamily="2" charset="0"/>
+              </a:rPr>
+              <a:t> </a:t>
+            </a:r>
+            <a:r>
+              <a:rPr lang="en-US" sz="3500" dirty="0" err="1" smtClean="0">
+                <a:latin typeface="Quicksand" panose="00000500000000000000" pitchFamily="2" charset="0"/>
+                <a:ea typeface="Roboto" panose="02000000000000000000" pitchFamily="2" charset="0"/>
+              </a:rPr>
+              <a:t>partes</a:t>
+            </a:r>
+            <a:r>
+              <a:rPr lang="en-US" sz="3500" dirty="0">
+                <a:latin typeface="Quicksand" panose="00000500000000000000" pitchFamily="2" charset="0"/>
+                <a:ea typeface="Roboto" panose="02000000000000000000" pitchFamily="2" charset="0"/>
+              </a:rPr>
+              <a:t> </a:t>
+            </a:r>
+            <a:r>
+              <a:rPr lang="en-US" sz="3500" dirty="0" err="1" smtClean="0">
+                <a:latin typeface="Quicksand" panose="00000500000000000000" pitchFamily="2" charset="0"/>
+                <a:ea typeface="Roboto" panose="02000000000000000000" pitchFamily="2" charset="0"/>
+              </a:rPr>
+              <a:t>foram</a:t>
+            </a:r>
+            <a:r>
+              <a:rPr lang="en-US" sz="3500" dirty="0" smtClean="0">
+                <a:latin typeface="Quicksand" panose="00000500000000000000" pitchFamily="2" charset="0"/>
+                <a:ea typeface="Roboto" panose="02000000000000000000" pitchFamily="2" charset="0"/>
+              </a:rPr>
+              <a:t> </a:t>
+            </a:r>
+            <a:r>
+              <a:rPr lang="en-US" sz="3500" dirty="0" err="1" smtClean="0">
+                <a:latin typeface="Quicksand" panose="00000500000000000000" pitchFamily="2" charset="0"/>
+                <a:ea typeface="Roboto" panose="02000000000000000000" pitchFamily="2" charset="0"/>
+              </a:rPr>
+              <a:t>precisos</a:t>
+            </a:r>
+            <a:r>
+              <a:rPr lang="en-US" sz="3500" dirty="0" smtClean="0">
+                <a:latin typeface="Quicksand" panose="00000500000000000000" pitchFamily="2" charset="0"/>
+                <a:ea typeface="Roboto" panose="02000000000000000000" pitchFamily="2" charset="0"/>
+              </a:rPr>
+              <a:t> </a:t>
+            </a:r>
+            <a:r>
+              <a:rPr lang="en-US" sz="3500" dirty="0" err="1" smtClean="0">
+                <a:latin typeface="Quicksand" panose="00000500000000000000" pitchFamily="2" charset="0"/>
+                <a:ea typeface="Roboto" panose="02000000000000000000" pitchFamily="2" charset="0"/>
+              </a:rPr>
+              <a:t>somente</a:t>
+            </a:r>
+            <a:r>
+              <a:rPr lang="en-US" sz="3500" dirty="0" smtClean="0">
+                <a:latin typeface="Quicksand" panose="00000500000000000000" pitchFamily="2" charset="0"/>
+                <a:ea typeface="Roboto" panose="02000000000000000000" pitchFamily="2" charset="0"/>
+              </a:rPr>
+              <a:t> </a:t>
+            </a:r>
+            <a:r>
+              <a:rPr lang="en-US" sz="3500" dirty="0" err="1" smtClean="0">
+                <a:latin typeface="Quicksand" panose="00000500000000000000" pitchFamily="2" charset="0"/>
+                <a:ea typeface="Roboto" panose="02000000000000000000" pitchFamily="2" charset="0"/>
+              </a:rPr>
+              <a:t>alguns</a:t>
+            </a:r>
+            <a:r>
+              <a:rPr lang="en-US" sz="3500" dirty="0" smtClean="0">
+                <a:latin typeface="Quicksand" panose="00000500000000000000" pitchFamily="2" charset="0"/>
+                <a:ea typeface="Roboto" panose="02000000000000000000" pitchFamily="2" charset="0"/>
+              </a:rPr>
+              <a:t> </a:t>
+            </a:r>
+            <a:r>
+              <a:rPr lang="en-US" sz="3500" dirty="0" err="1" smtClean="0">
+                <a:latin typeface="Quicksand" panose="00000500000000000000" pitchFamily="2" charset="0"/>
+                <a:ea typeface="Roboto" panose="02000000000000000000" pitchFamily="2" charset="0"/>
+              </a:rPr>
+              <a:t>ajustes</a:t>
+            </a:r>
+            <a:r>
+              <a:rPr lang="en-US" sz="3500" dirty="0" smtClean="0">
+                <a:latin typeface="Quicksand" panose="00000500000000000000" pitchFamily="2" charset="0"/>
+                <a:ea typeface="Roboto" panose="02000000000000000000" pitchFamily="2" charset="0"/>
+              </a:rPr>
+              <a:t>.</a:t>
+            </a:r>
+          </a:p>
+        </p:txBody>
+      </p:sp>
     </p:spTree>
     <p:extLst>
       <p:ext uri="{BB962C8B-B14F-4D97-AF65-F5344CB8AC3E}">
-        <p14:creationId xmlns:p14="http://schemas.microsoft.com/office/powerpoint/2010/main" val="2955094013"/>
+        <p14:creationId xmlns:p14="http://schemas.microsoft.com/office/powerpoint/2010/main" val="3533967833"/>
       </p:ext>
     </p:extLst>
   </p:cSld>
